--- a/presentations/5-Spring_Overview.pptx
+++ b/presentations/5-Spring_Overview.pptx
@@ -5,42 +5,34 @@
     <p:sldMasterId id="2147493455" r:id="rId4"/>
   </p:sldMasterIdLst>
   <p:notesMasterIdLst>
-    <p:notesMasterId r:id="rId38"/>
+    <p:notesMasterId r:id="rId30"/>
   </p:notesMasterIdLst>
   <p:sldIdLst>
     <p:sldId id="441" r:id="rId5"/>
-    <p:sldId id="434" r:id="rId6"/>
-    <p:sldId id="431" r:id="rId7"/>
-    <p:sldId id="410" r:id="rId8"/>
-    <p:sldId id="378" r:id="rId9"/>
-    <p:sldId id="438" r:id="rId10"/>
-    <p:sldId id="437" r:id="rId11"/>
-    <p:sldId id="435" r:id="rId12"/>
-    <p:sldId id="432" r:id="rId13"/>
-    <p:sldId id="332" r:id="rId14"/>
-    <p:sldId id="440" r:id="rId15"/>
-    <p:sldId id="433" r:id="rId16"/>
-    <p:sldId id="413" r:id="rId17"/>
-    <p:sldId id="412" r:id="rId18"/>
-    <p:sldId id="415" r:id="rId19"/>
-    <p:sldId id="402" r:id="rId20"/>
-    <p:sldId id="399" r:id="rId21"/>
-    <p:sldId id="417" r:id="rId22"/>
-    <p:sldId id="371" r:id="rId23"/>
-    <p:sldId id="420" r:id="rId24"/>
-    <p:sldId id="353" r:id="rId25"/>
-    <p:sldId id="377" r:id="rId26"/>
-    <p:sldId id="386" r:id="rId27"/>
-    <p:sldId id="401" r:id="rId28"/>
-    <p:sldId id="423" r:id="rId29"/>
-    <p:sldId id="392" r:id="rId30"/>
-    <p:sldId id="393" r:id="rId31"/>
-    <p:sldId id="394" r:id="rId32"/>
-    <p:sldId id="395" r:id="rId33"/>
-    <p:sldId id="409" r:id="rId34"/>
-    <p:sldId id="424" r:id="rId35"/>
-    <p:sldId id="414" r:id="rId36"/>
-    <p:sldId id="337" r:id="rId37"/>
+    <p:sldId id="332" r:id="rId6"/>
+    <p:sldId id="440" r:id="rId7"/>
+    <p:sldId id="433" r:id="rId8"/>
+    <p:sldId id="413" r:id="rId9"/>
+    <p:sldId id="412" r:id="rId10"/>
+    <p:sldId id="415" r:id="rId11"/>
+    <p:sldId id="402" r:id="rId12"/>
+    <p:sldId id="399" r:id="rId13"/>
+    <p:sldId id="417" r:id="rId14"/>
+    <p:sldId id="371" r:id="rId15"/>
+    <p:sldId id="420" r:id="rId16"/>
+    <p:sldId id="353" r:id="rId17"/>
+    <p:sldId id="377" r:id="rId18"/>
+    <p:sldId id="386" r:id="rId19"/>
+    <p:sldId id="401" r:id="rId20"/>
+    <p:sldId id="423" r:id="rId21"/>
+    <p:sldId id="392" r:id="rId22"/>
+    <p:sldId id="393" r:id="rId23"/>
+    <p:sldId id="394" r:id="rId24"/>
+    <p:sldId id="395" r:id="rId25"/>
+    <p:sldId id="409" r:id="rId26"/>
+    <p:sldId id="424" r:id="rId27"/>
+    <p:sldId id="414" r:id="rId28"/>
+    <p:sldId id="337" r:id="rId29"/>
   </p:sldIdLst>
   <p:sldSz cx="9144000" cy="5143500" type="screen16x9"/>
   <p:notesSz cx="6858000" cy="9144000"/>
@@ -282,12 +274,12 @@
         </c:dLbls>
         <c:gapWidth val="150"/>
         <c:shape val="box"/>
-        <c:axId val="-2080485896"/>
-        <c:axId val="-2007236936"/>
+        <c:axId val="-1173382424"/>
+        <c:axId val="-1173379352"/>
         <c:axId val="0"/>
       </c:bar3DChart>
       <c:dateAx>
-        <c:axId val="-2080485896"/>
+        <c:axId val="-1173382424"/>
         <c:scaling>
           <c:orientation val="minMax"/>
         </c:scaling>
@@ -297,14 +289,14 @@
         <c:majorTickMark val="out"/>
         <c:minorTickMark val="none"/>
         <c:tickLblPos val="nextTo"/>
-        <c:crossAx val="-2007236936"/>
+        <c:crossAx val="-1173379352"/>
         <c:crosses val="autoZero"/>
         <c:auto val="1"/>
         <c:lblOffset val="100"/>
         <c:baseTimeUnit val="months"/>
       </c:dateAx>
       <c:valAx>
-        <c:axId val="-2007236936"/>
+        <c:axId val="-1173379352"/>
         <c:scaling>
           <c:orientation val="minMax"/>
         </c:scaling>
@@ -315,7 +307,7 @@
         <c:majorTickMark val="out"/>
         <c:minorTickMark val="none"/>
         <c:tickLblPos val="nextTo"/>
-        <c:crossAx val="-2080485896"/>
+        <c:crossAx val="-1173382424"/>
         <c:crosses val="autoZero"/>
         <c:crossBetween val="between"/>
       </c:valAx>
@@ -5127,7 +5119,7 @@
           <a:p>
             <a:fld id="{7B47E9F9-6557-4923-BE10-1C342566E3EE}" type="datetimeFigureOut">
               <a:rPr lang="en-US" smtClean="0"/>
-              <a:t>10/17/16</a:t>
+              <a:t>5/9/17</a:t>
             </a:fld>
             <a:endParaRPr lang="en-US"/>
           </a:p>
@@ -5569,7 +5561,41 @@
           <a:bodyPr/>
           <a:lstStyle/>
           <a:p>
-            <a:endParaRPr lang="en-US"/>
+            <a:r>
+              <a:rPr lang="en-US" dirty="0" smtClean="0"/>
+              <a:t>Spring Boot is designed to help us build good apps rapidly. A key piece of making this happen is how Boot plugs in its opinions. Boot is not an exclusive concept. There are other opinionated frameworks out there like Play and </a:t>
+            </a:r>
+            <a:r>
+              <a:rPr lang="en-US" dirty="0" err="1" smtClean="0"/>
+              <a:t>Dropwizard</a:t>
+            </a:r>
+            <a:r>
+              <a:rPr lang="en-US" dirty="0" smtClean="0"/>
+              <a:t>. Some of these may even leverage Boot under the hood and use features of Boot that are very useful. However, Spring Boot, to it’s credit, makes things trivial for the Developer to say, “No. I don’t agree with you Boot. I know what I’m doing and I’d like to do it my way because I understand my business use case better than you do.” Boot tries to be non-intrusive. i.e. Boot says “</a:t>
+            </a:r>
+            <a:r>
+              <a:rPr lang="en-US" dirty="0" err="1" smtClean="0"/>
+              <a:t>Mr</a:t>
+            </a:r>
+            <a:r>
+              <a:rPr lang="en-US" dirty="0" smtClean="0"/>
+              <a:t> Developer, I will only start doing things if you choose not to.” And if the Developer chooses to build his application the way he likes, Boot will happily step aside.</a:t>
+            </a:r>
+          </a:p>
+          <a:p>
+            <a:r>
+              <a:rPr lang="en-US" dirty="0" smtClean="0"/>
+              <a:t>Boot believes the correct way is the easiest way.</a:t>
+            </a:r>
+          </a:p>
+          <a:p>
+            <a:r>
+              <a:rPr lang="en-US" dirty="0" smtClean="0"/>
+              <a:t>While, the Spring Framework makes things simple. Spring Boot takes Spring a step further by making the simplest thing the easiest.</a:t>
+            </a:r>
+          </a:p>
+          <a:p>
+            <a:endParaRPr lang="en-US" dirty="0"/>
           </a:p>
         </p:txBody>
       </p:sp>
@@ -5599,7 +5625,7 @@
     </p:spTree>
     <p:extLst>
       <p:ext uri="{BB962C8B-B14F-4D97-AF65-F5344CB8AC3E}">
-        <p14:creationId xmlns:p14="http://schemas.microsoft.com/office/powerpoint/2010/main" val="1316767281"/>
+        <p14:creationId xmlns:p14="http://schemas.microsoft.com/office/powerpoint/2010/main" val="1425605844"/>
       </p:ext>
     </p:extLst>
   </p:cSld>
@@ -5653,7 +5679,7 @@
           <a:bodyPr/>
           <a:lstStyle/>
           <a:p>
-            <a:endParaRPr lang="en-US"/>
+            <a:endParaRPr lang="en-US" dirty="0"/>
           </a:p>
         </p:txBody>
       </p:sp>
@@ -5667,23 +5693,42 @@
             <p:ph type="sldNum" sz="quarter" idx="10"/>
           </p:nvPr>
         </p:nvSpPr>
-        <p:spPr/>
+        <p:spPr>
+          <a:xfrm>
+            <a:off x="3841925" y="8613435"/>
+            <a:ext cx="2939143" cy="453421"/>
+          </a:xfrm>
+          <a:prstGeom prst="rect">
+            <a:avLst/>
+          </a:prstGeom>
+        </p:spPr>
         <p:txBody>
           <a:bodyPr/>
           <a:lstStyle/>
           <a:p>
-            <a:fld id="{19B87A38-3CEC-41F8-9B8A-7D549F200228}" type="slidenum">
-              <a:rPr lang="en-US" smtClean="0"/>
+            <a:fld id="{9AF25A19-2501-5940-8DE6-BC6206CC8FA9}" type="slidenum">
+              <a:rPr lang="en-US" smtClean="0">
+                <a:solidFill>
+                  <a:prstClr val="black"/>
+                </a:solidFill>
+                <a:latin typeface="Calibri"/>
+              </a:rPr>
+              <a:pPr/>
               <a:t>3</a:t>
             </a:fld>
-            <a:endParaRPr lang="en-US"/>
+            <a:endParaRPr lang="en-US">
+              <a:solidFill>
+                <a:prstClr val="black"/>
+              </a:solidFill>
+              <a:latin typeface="Calibri"/>
+            </a:endParaRPr>
           </a:p>
         </p:txBody>
       </p:sp>
     </p:spTree>
     <p:extLst>
       <p:ext uri="{BB962C8B-B14F-4D97-AF65-F5344CB8AC3E}">
-        <p14:creationId xmlns:p14="http://schemas.microsoft.com/office/powerpoint/2010/main" val="1316767281"/>
+        <p14:creationId xmlns:p14="http://schemas.microsoft.com/office/powerpoint/2010/main" val="2948450049"/>
       </p:ext>
     </p:extLst>
   </p:cSld>
@@ -5758,312 +5803,7 @@
           <a:p>
             <a:fld id="{19B87A38-3CEC-41F8-9B8A-7D549F200228}" type="slidenum">
               <a:rPr lang="en-US" smtClean="0"/>
-              <a:t>9</a:t>
-            </a:fld>
-            <a:endParaRPr lang="en-US"/>
-          </a:p>
-        </p:txBody>
-      </p:sp>
-    </p:spTree>
-    <p:extLst>
-      <p:ext uri="{BB962C8B-B14F-4D97-AF65-F5344CB8AC3E}">
-        <p14:creationId xmlns:p14="http://schemas.microsoft.com/office/powerpoint/2010/main" val="1316767281"/>
-      </p:ext>
-    </p:extLst>
-  </p:cSld>
-  <p:clrMapOvr>
-    <a:masterClrMapping/>
-  </p:clrMapOvr>
-</p:notes>
-</file>
-
-<file path=ppt/notesSlides/notesSlide5.xml><?xml version="1.0" encoding="utf-8"?>
-<p:notes xmlns:a="http://schemas.openxmlformats.org/drawingml/2006/main" xmlns:r="http://schemas.openxmlformats.org/officeDocument/2006/relationships" xmlns:p="http://schemas.openxmlformats.org/presentationml/2006/main">
-  <p:cSld>
-    <p:spTree>
-      <p:nvGrpSpPr>
-        <p:cNvPr id="1" name=""/>
-        <p:cNvGrpSpPr/>
-        <p:nvPr/>
-      </p:nvGrpSpPr>
-      <p:grpSpPr>
-        <a:xfrm>
-          <a:off x="0" y="0"/>
-          <a:ext cx="0" cy="0"/>
-          <a:chOff x="0" y="0"/>
-          <a:chExt cx="0" cy="0"/>
-        </a:xfrm>
-      </p:grpSpPr>
-      <p:sp>
-        <p:nvSpPr>
-          <p:cNvPr id="2" name="Slide Image Placeholder 1"/>
-          <p:cNvSpPr>
-            <a:spLocks noGrp="1" noRot="1" noChangeAspect="1"/>
-          </p:cNvSpPr>
-          <p:nvPr>
-            <p:ph type="sldImg"/>
-          </p:nvPr>
-        </p:nvSpPr>
-        <p:spPr/>
-      </p:sp>
-      <p:sp>
-        <p:nvSpPr>
-          <p:cNvPr id="3" name="Notes Placeholder 2"/>
-          <p:cNvSpPr>
-            <a:spLocks noGrp="1"/>
-          </p:cNvSpPr>
-          <p:nvPr>
-            <p:ph type="body" idx="1"/>
-          </p:nvPr>
-        </p:nvSpPr>
-        <p:spPr/>
-        <p:txBody>
-          <a:bodyPr/>
-          <a:lstStyle/>
-          <a:p>
-            <a:r>
-              <a:rPr lang="en-US" dirty="0" smtClean="0"/>
-              <a:t>Spring Boot is designed to help us build good apps rapidly. A key piece of making this happen is how Boot plugs in its opinions. Boot is not an exclusive concept. There are other opinionated frameworks out there like Play and </a:t>
-            </a:r>
-            <a:r>
-              <a:rPr lang="en-US" dirty="0" err="1" smtClean="0"/>
-              <a:t>Dropwizard</a:t>
-            </a:r>
-            <a:r>
-              <a:rPr lang="en-US" dirty="0" smtClean="0"/>
-              <a:t>. Some of these may even leverage Boot under the hood and use features of Boot that are very useful. However, Spring Boot, to it’s credit, makes things trivial for the Developer to say, “No. I don’t agree with you Boot. I know what I’m doing and I’d like to do it my way because I understand my business use case better than you do.” Boot tries to be non-intrusive. i.e. Boot says “</a:t>
-            </a:r>
-            <a:r>
-              <a:rPr lang="en-US" dirty="0" err="1" smtClean="0"/>
-              <a:t>Mr</a:t>
-            </a:r>
-            <a:r>
-              <a:rPr lang="en-US" dirty="0" smtClean="0"/>
-              <a:t> Developer, I will only start doing things if you choose not to.” And if the Developer chooses to build his application the way he likes, Boot will happily step aside.</a:t>
-            </a:r>
-          </a:p>
-          <a:p>
-            <a:r>
-              <a:rPr lang="en-US" dirty="0" smtClean="0"/>
-              <a:t>Boot believes the correct way is the easiest way.</a:t>
-            </a:r>
-          </a:p>
-          <a:p>
-            <a:r>
-              <a:rPr lang="en-US" dirty="0" smtClean="0"/>
-              <a:t>While, the Spring Framework makes things simple. Spring Boot takes Spring a step further by making the simplest thing the easiest.</a:t>
-            </a:r>
-          </a:p>
-          <a:p>
-            <a:endParaRPr lang="en-US" dirty="0"/>
-          </a:p>
-        </p:txBody>
-      </p:sp>
-      <p:sp>
-        <p:nvSpPr>
-          <p:cNvPr id="4" name="Slide Number Placeholder 3"/>
-          <p:cNvSpPr>
-            <a:spLocks noGrp="1"/>
-          </p:cNvSpPr>
-          <p:nvPr>
-            <p:ph type="sldNum" sz="quarter" idx="10"/>
-          </p:nvPr>
-        </p:nvSpPr>
-        <p:spPr/>
-        <p:txBody>
-          <a:bodyPr/>
-          <a:lstStyle/>
-          <a:p>
-            <a:fld id="{19B87A38-3CEC-41F8-9B8A-7D549F200228}" type="slidenum">
-              <a:rPr lang="en-US" smtClean="0"/>
-              <a:t>10</a:t>
-            </a:fld>
-            <a:endParaRPr lang="en-US"/>
-          </a:p>
-        </p:txBody>
-      </p:sp>
-    </p:spTree>
-    <p:extLst>
-      <p:ext uri="{BB962C8B-B14F-4D97-AF65-F5344CB8AC3E}">
-        <p14:creationId xmlns:p14="http://schemas.microsoft.com/office/powerpoint/2010/main" val="1425605844"/>
-      </p:ext>
-    </p:extLst>
-  </p:cSld>
-  <p:clrMapOvr>
-    <a:masterClrMapping/>
-  </p:clrMapOvr>
-</p:notes>
-</file>
-
-<file path=ppt/notesSlides/notesSlide6.xml><?xml version="1.0" encoding="utf-8"?>
-<p:notes xmlns:a="http://schemas.openxmlformats.org/drawingml/2006/main" xmlns:r="http://schemas.openxmlformats.org/officeDocument/2006/relationships" xmlns:p="http://schemas.openxmlformats.org/presentationml/2006/main">
-  <p:cSld>
-    <p:spTree>
-      <p:nvGrpSpPr>
-        <p:cNvPr id="1" name=""/>
-        <p:cNvGrpSpPr/>
-        <p:nvPr/>
-      </p:nvGrpSpPr>
-      <p:grpSpPr>
-        <a:xfrm>
-          <a:off x="0" y="0"/>
-          <a:ext cx="0" cy="0"/>
-          <a:chOff x="0" y="0"/>
-          <a:chExt cx="0" cy="0"/>
-        </a:xfrm>
-      </p:grpSpPr>
-      <p:sp>
-        <p:nvSpPr>
-          <p:cNvPr id="2" name="Slide Image Placeholder 1"/>
-          <p:cNvSpPr>
-            <a:spLocks noGrp="1" noRot="1" noChangeAspect="1"/>
-          </p:cNvSpPr>
-          <p:nvPr>
-            <p:ph type="sldImg"/>
-          </p:nvPr>
-        </p:nvSpPr>
-        <p:spPr/>
-      </p:sp>
-      <p:sp>
-        <p:nvSpPr>
-          <p:cNvPr id="3" name="Notes Placeholder 2"/>
-          <p:cNvSpPr>
-            <a:spLocks noGrp="1"/>
-          </p:cNvSpPr>
-          <p:nvPr>
-            <p:ph type="body" idx="1"/>
-          </p:nvPr>
-        </p:nvSpPr>
-        <p:spPr/>
-        <p:txBody>
-          <a:bodyPr/>
-          <a:lstStyle/>
-          <a:p>
-            <a:endParaRPr lang="en-US" dirty="0"/>
-          </a:p>
-        </p:txBody>
-      </p:sp>
-      <p:sp>
-        <p:nvSpPr>
-          <p:cNvPr id="4" name="Slide Number Placeholder 3"/>
-          <p:cNvSpPr>
-            <a:spLocks noGrp="1"/>
-          </p:cNvSpPr>
-          <p:nvPr>
-            <p:ph type="sldNum" sz="quarter" idx="10"/>
-          </p:nvPr>
-        </p:nvSpPr>
-        <p:spPr>
-          <a:xfrm>
-            <a:off x="3841925" y="8613435"/>
-            <a:ext cx="2939143" cy="453421"/>
-          </a:xfrm>
-          <a:prstGeom prst="rect">
-            <a:avLst/>
-          </a:prstGeom>
-        </p:spPr>
-        <p:txBody>
-          <a:bodyPr/>
-          <a:lstStyle/>
-          <a:p>
-            <a:fld id="{9AF25A19-2501-5940-8DE6-BC6206CC8FA9}" type="slidenum">
-              <a:rPr lang="en-US" smtClean="0">
-                <a:solidFill>
-                  <a:prstClr val="black"/>
-                </a:solidFill>
-                <a:latin typeface="Calibri"/>
-              </a:rPr>
-              <a:pPr/>
-              <a:t>11</a:t>
-            </a:fld>
-            <a:endParaRPr lang="en-US">
-              <a:solidFill>
-                <a:prstClr val="black"/>
-              </a:solidFill>
-              <a:latin typeface="Calibri"/>
-            </a:endParaRPr>
-          </a:p>
-        </p:txBody>
-      </p:sp>
-    </p:spTree>
-    <p:extLst>
-      <p:ext uri="{BB962C8B-B14F-4D97-AF65-F5344CB8AC3E}">
-        <p14:creationId xmlns:p14="http://schemas.microsoft.com/office/powerpoint/2010/main" val="2948450049"/>
-      </p:ext>
-    </p:extLst>
-  </p:cSld>
-  <p:clrMapOvr>
-    <a:masterClrMapping/>
-  </p:clrMapOvr>
-</p:notes>
-</file>
-
-<file path=ppt/notesSlides/notesSlide7.xml><?xml version="1.0" encoding="utf-8"?>
-<p:notes xmlns:a="http://schemas.openxmlformats.org/drawingml/2006/main" xmlns:r="http://schemas.openxmlformats.org/officeDocument/2006/relationships" xmlns:p="http://schemas.openxmlformats.org/presentationml/2006/main">
-  <p:cSld>
-    <p:spTree>
-      <p:nvGrpSpPr>
-        <p:cNvPr id="1" name=""/>
-        <p:cNvGrpSpPr/>
-        <p:nvPr/>
-      </p:nvGrpSpPr>
-      <p:grpSpPr>
-        <a:xfrm>
-          <a:off x="0" y="0"/>
-          <a:ext cx="0" cy="0"/>
-          <a:chOff x="0" y="0"/>
-          <a:chExt cx="0" cy="0"/>
-        </a:xfrm>
-      </p:grpSpPr>
-      <p:sp>
-        <p:nvSpPr>
-          <p:cNvPr id="2" name="Slide Image Placeholder 1"/>
-          <p:cNvSpPr>
-            <a:spLocks noGrp="1" noRot="1" noChangeAspect="1"/>
-          </p:cNvSpPr>
-          <p:nvPr>
-            <p:ph type="sldImg"/>
-          </p:nvPr>
-        </p:nvSpPr>
-        <p:spPr/>
-      </p:sp>
-      <p:sp>
-        <p:nvSpPr>
-          <p:cNvPr id="3" name="Notes Placeholder 2"/>
-          <p:cNvSpPr>
-            <a:spLocks noGrp="1"/>
-          </p:cNvSpPr>
-          <p:nvPr>
-            <p:ph type="body" idx="1"/>
-          </p:nvPr>
-        </p:nvSpPr>
-        <p:spPr/>
-        <p:txBody>
-          <a:bodyPr/>
-          <a:lstStyle/>
-          <a:p>
-            <a:endParaRPr lang="en-US"/>
-          </a:p>
-        </p:txBody>
-      </p:sp>
-      <p:sp>
-        <p:nvSpPr>
-          <p:cNvPr id="4" name="Slide Number Placeholder 3"/>
-          <p:cNvSpPr>
-            <a:spLocks noGrp="1"/>
-          </p:cNvSpPr>
-          <p:nvPr>
-            <p:ph type="sldNum" sz="quarter" idx="10"/>
-          </p:nvPr>
-        </p:nvSpPr>
-        <p:spPr/>
-        <p:txBody>
-          <a:bodyPr/>
-          <a:lstStyle/>
-          <a:p>
-            <a:fld id="{19B87A38-3CEC-41F8-9B8A-7D549F200228}" type="slidenum">
-              <a:rPr lang="en-US" smtClean="0"/>
-              <a:t>12</a:t>
+              <a:t>4</a:t>
             </a:fld>
             <a:endParaRPr lang="en-US"/>
           </a:p>
@@ -13057,25 +12797,8 @@
                 <a:latin typeface="Arial"/>
                 <a:cs typeface="Arial"/>
               </a:rPr>
-              <a:t>Cloud Native </a:t>
-            </a:r>
-            <a:r>
-              <a:rPr lang="en-US" sz="4800" dirty="0">
-                <a:solidFill>
-                  <a:srgbClr val="2C95DD"/>
-                </a:solidFill>
-                <a:latin typeface="Arial"/>
-                <a:cs typeface="Arial"/>
-              </a:rPr>
-              <a:t>Workshop</a:t>
-            </a:r>
-            <a:endParaRPr lang="en-US" sz="4800" dirty="0">
-              <a:solidFill>
-                <a:srgbClr val="2C95DD"/>
-              </a:solidFill>
-              <a:latin typeface="Arial"/>
-              <a:cs typeface="Arial"/>
-            </a:endParaRPr>
+              <a:t>Cloud Native Workshop</a:t>
+            </a:r>
           </a:p>
           <a:p>
             <a:pPr>
@@ -13253,11 +12976,7 @@
           <a:bodyPr/>
           <a:lstStyle/>
           <a:p>
-            <a:r>
-              <a:rPr lang="en-US" dirty="0" smtClean="0"/>
-              <a:t>Spring Boot</a:t>
-            </a:r>
-            <a:endParaRPr lang="en-US" dirty="0"/>
+            <a:endParaRPr lang="en-US"/>
           </a:p>
         </p:txBody>
       </p:sp>
@@ -13271,48 +12990,69 @@
             <p:ph sz="quarter" idx="10"/>
           </p:nvPr>
         </p:nvSpPr>
-        <p:spPr>
-          <a:xfrm>
-            <a:off x="457200" y="1108074"/>
-            <a:ext cx="8229600" cy="3293454"/>
-          </a:xfrm>
-        </p:spPr>
+        <p:spPr/>
         <p:txBody>
-          <a:bodyPr anchor="ctr"/>
+          <a:bodyPr anchor="ctr">
+            <a:normAutofit/>
+          </a:bodyPr>
           <a:lstStyle/>
           <a:p>
             <a:pPr marL="0" indent="0" algn="ctr">
-              <a:lnSpc>
-                <a:spcPct val="150000"/>
-              </a:lnSpc>
               <a:buNone/>
             </a:pPr>
-            <a:endParaRPr lang="en-US" dirty="0" smtClean="0"/>
+            <a:r>
+              <a:rPr lang="en-US" sz="4800" dirty="0" smtClean="0"/>
+              <a:t>Spring Boot starters</a:t>
+            </a:r>
           </a:p>
           <a:p>
             <a:pPr marL="0" indent="0" algn="ctr">
-              <a:lnSpc>
-                <a:spcPct val="120000"/>
-              </a:lnSpc>
               <a:buNone/>
             </a:pPr>
             <a:r>
-              <a:rPr lang="en-US" dirty="0" smtClean="0"/>
-              <a:t>Spring Boot is an opinionated framework to simplify bootstrapping and development of new Spring Applications</a:t>
-            </a:r>
-          </a:p>
-          <a:p>
-            <a:pPr marL="0" indent="0">
-              <a:buNone/>
-            </a:pPr>
-            <a:endParaRPr lang="en-US" dirty="0"/>
+              <a:rPr lang="en-US" sz="1800" dirty="0" smtClean="0">
+                <a:solidFill>
+                  <a:schemeClr val="bg2">
+                    <a:lumMod val="50000"/>
+                  </a:schemeClr>
+                </a:solidFill>
+              </a:rPr>
+              <a:t>(Automatic </a:t>
+            </a:r>
+            <a:r>
+              <a:rPr lang="en-US" sz="1800" dirty="0">
+                <a:solidFill>
+                  <a:schemeClr val="bg2">
+                    <a:lumMod val="50000"/>
+                  </a:schemeClr>
+                </a:solidFill>
+              </a:rPr>
+              <a:t>project dependency </a:t>
+            </a:r>
+            <a:r>
+              <a:rPr lang="en-US" sz="1800" dirty="0" smtClean="0">
+                <a:solidFill>
+                  <a:schemeClr val="bg2">
+                    <a:lumMod val="50000"/>
+                  </a:schemeClr>
+                </a:solidFill>
+              </a:rPr>
+              <a:t>management)</a:t>
+            </a:r>
+            <a:endParaRPr lang="en-US" sz="1800" dirty="0">
+              <a:solidFill>
+                <a:schemeClr val="bg2">
+                  <a:lumMod val="50000"/>
+                </a:schemeClr>
+              </a:solidFill>
+            </a:endParaRPr>
           </a:p>
         </p:txBody>
       </p:sp>
     </p:spTree>
     <p:extLst>
       <p:ext uri="{BB962C8B-B14F-4D97-AF65-F5344CB8AC3E}">
-        <p14:creationId xmlns:p14="http://schemas.microsoft.com/office/powerpoint/2010/main" val="3284732348"/>
+        <p14:creationId xmlns:p14="http://schemas.microsoft.com/office/powerpoint/2010/main" val="1346859884"/>
       </p:ext>
     </p:extLst>
   </p:cSld>
@@ -13365,1204 +13105,6 @@
           <a:lstStyle/>
           <a:p>
             <a:r>
-              <a:rPr lang="en-US" sz="2800" dirty="0" smtClean="0"/>
-              <a:t>Spring Boot Adoption</a:t>
-            </a:r>
-            <a:endParaRPr lang="en-US" dirty="0"/>
-          </a:p>
-        </p:txBody>
-      </p:sp>
-      <p:sp>
-        <p:nvSpPr>
-          <p:cNvPr id="3" name="Rectangle 2"/>
-          <p:cNvSpPr/>
-          <p:nvPr/>
-        </p:nvSpPr>
-        <p:spPr>
-          <a:xfrm>
-            <a:off x="169471" y="4636670"/>
-            <a:ext cx="2800767" cy="369332"/>
-          </a:xfrm>
-          <a:prstGeom prst="rect">
-            <a:avLst/>
-          </a:prstGeom>
-        </p:spPr>
-        <p:txBody>
-          <a:bodyPr wrap="none">
-            <a:spAutoFit/>
-          </a:bodyPr>
-          <a:lstStyle/>
-          <a:p>
-            <a:r>
-              <a:rPr lang="en-US" dirty="0">
-                <a:solidFill>
-                  <a:srgbClr val="000000"/>
-                </a:solidFill>
-                <a:latin typeface="Arial"/>
-              </a:rPr>
-              <a:t>Source: oss.sonatype.org</a:t>
-            </a:r>
-          </a:p>
-        </p:txBody>
-      </p:sp>
-      <p:sp>
-        <p:nvSpPr>
-          <p:cNvPr id="18" name="Explosion 2 17"/>
-          <p:cNvSpPr/>
-          <p:nvPr/>
-        </p:nvSpPr>
-        <p:spPr>
-          <a:xfrm rot="1682066">
-            <a:off x="7500247" y="765251"/>
-            <a:ext cx="895350" cy="833644"/>
-          </a:xfrm>
-          <a:prstGeom prst="irregularSeal2">
-            <a:avLst/>
-          </a:prstGeom>
-        </p:spPr>
-        <p:style>
-          <a:lnRef idx="1">
-            <a:schemeClr val="accent1"/>
-          </a:lnRef>
-          <a:fillRef idx="3">
-            <a:schemeClr val="accent1"/>
-          </a:fillRef>
-          <a:effectRef idx="2">
-            <a:schemeClr val="accent1"/>
-          </a:effectRef>
-          <a:fontRef idx="minor">
-            <a:schemeClr val="lt1"/>
-          </a:fontRef>
-        </p:style>
-        <p:txBody>
-          <a:bodyPr rtlCol="0" anchor="ctr"/>
-          <a:lstStyle/>
-          <a:p>
-            <a:pPr algn="ctr"/>
-            <a:endParaRPr lang="en-US">
-              <a:solidFill>
-                <a:srgbClr val="FFFFFF"/>
-              </a:solidFill>
-              <a:latin typeface="Arial"/>
-            </a:endParaRPr>
-          </a:p>
-        </p:txBody>
-      </p:sp>
-      <p:sp>
-        <p:nvSpPr>
-          <p:cNvPr id="19" name="TextBox 18"/>
-          <p:cNvSpPr txBox="1"/>
-          <p:nvPr/>
-        </p:nvSpPr>
-        <p:spPr>
-          <a:xfrm>
-            <a:off x="7326387" y="1034882"/>
-            <a:ext cx="1144270" cy="307777"/>
-          </a:xfrm>
-          <a:prstGeom prst="rect">
-            <a:avLst/>
-          </a:prstGeom>
-          <a:noFill/>
-        </p:spPr>
-        <p:txBody>
-          <a:bodyPr wrap="square" rtlCol="0">
-            <a:spAutoFit/>
-          </a:bodyPr>
-          <a:lstStyle/>
-          <a:p>
-            <a:pPr algn="ctr"/>
-            <a:r>
-              <a:rPr lang="en-US" sz="1400" b="1" dirty="0" smtClean="0">
-                <a:solidFill>
-                  <a:srgbClr val="FFFFFF"/>
-                </a:solidFill>
-                <a:latin typeface="Arial"/>
-              </a:rPr>
-              <a:t>4.2M</a:t>
-            </a:r>
-          </a:p>
-        </p:txBody>
-      </p:sp>
-      <p:sp>
-        <p:nvSpPr>
-          <p:cNvPr id="22" name="Rectangle 21"/>
-          <p:cNvSpPr/>
-          <p:nvPr/>
-        </p:nvSpPr>
-        <p:spPr>
-          <a:xfrm>
-            <a:off x="3186446" y="879624"/>
-            <a:ext cx="2917686" cy="369332"/>
-          </a:xfrm>
-          <a:prstGeom prst="rect">
-            <a:avLst/>
-          </a:prstGeom>
-        </p:spPr>
-        <p:txBody>
-          <a:bodyPr wrap="none">
-            <a:spAutoFit/>
-          </a:bodyPr>
-          <a:lstStyle/>
-          <a:p>
-            <a:r>
-              <a:rPr lang="en-US" dirty="0">
-                <a:solidFill>
-                  <a:srgbClr val="4C4C4C"/>
-                </a:solidFill>
-                <a:latin typeface="Arial"/>
-              </a:rPr>
-              <a:t>Monthly Maven downloads</a:t>
-            </a:r>
-          </a:p>
-        </p:txBody>
-      </p:sp>
-      <p:graphicFrame>
-        <p:nvGraphicFramePr>
-          <p:cNvPr id="9" name="Chart 8"/>
-          <p:cNvGraphicFramePr>
-            <a:graphicFrameLocks/>
-          </p:cNvGraphicFramePr>
-          <p:nvPr>
-            <p:extLst>
-              <p:ext uri="{D42A27DB-BD31-4B8C-83A1-F6EECF244321}">
-                <p14:modId xmlns:p14="http://schemas.microsoft.com/office/powerpoint/2010/main" val="3414476740"/>
-              </p:ext>
-            </p:extLst>
-          </p:nvPr>
-        </p:nvGraphicFramePr>
-        <p:xfrm>
-          <a:off x="530176" y="1200149"/>
-          <a:ext cx="8051282" cy="3423915"/>
-        </p:xfrm>
-        <a:graphic>
-          <a:graphicData uri="http://schemas.openxmlformats.org/drawingml/2006/chart">
-            <c:chart xmlns:c="http://schemas.openxmlformats.org/drawingml/2006/chart" xmlns:r="http://schemas.openxmlformats.org/officeDocument/2006/relationships" r:id="rId3"/>
-          </a:graphicData>
-        </a:graphic>
-      </p:graphicFrame>
-    </p:spTree>
-    <p:extLst>
-      <p:ext uri="{BB962C8B-B14F-4D97-AF65-F5344CB8AC3E}">
-        <p14:creationId xmlns:p14="http://schemas.microsoft.com/office/powerpoint/2010/main" val="3893343184"/>
-      </p:ext>
-    </p:extLst>
-  </p:cSld>
-  <p:clrMapOvr>
-    <a:masterClrMapping/>
-  </p:clrMapOvr>
-  <mc:AlternateContent xmlns:mc="http://schemas.openxmlformats.org/markup-compatibility/2006" xmlns:p14="http://schemas.microsoft.com/office/powerpoint/2010/main">
-    <mc:Choice Requires="p14">
-      <p:transition spd="med" p14:dur="700">
-        <p:fade/>
-      </p:transition>
-    </mc:Choice>
-    <mc:Fallback xmlns="">
-      <p:transition xmlns:p14="http://schemas.microsoft.com/office/powerpoint/2010/main" spd="med">
-        <p:fade/>
-      </p:transition>
-    </mc:Fallback>
-  </mc:AlternateContent>
-  <p:timing>
-    <p:tnLst>
-      <p:par>
-        <p:cTn xmlns:p14="http://schemas.microsoft.com/office/powerpoint/2010/main" id="1" dur="indefinite" restart="never" nodeType="tmRoot"/>
-      </p:par>
-    </p:tnLst>
-  </p:timing>
-</p:sld>
-</file>
-
-<file path=ppt/slides/slide12.xml><?xml version="1.0" encoding="utf-8"?>
-<p:sld xmlns:a="http://schemas.openxmlformats.org/drawingml/2006/main" xmlns:r="http://schemas.openxmlformats.org/officeDocument/2006/relationships" xmlns:p="http://schemas.openxmlformats.org/presentationml/2006/main">
-  <p:cSld>
-    <p:spTree>
-      <p:nvGrpSpPr>
-        <p:cNvPr id="1" name=""/>
-        <p:cNvGrpSpPr/>
-        <p:nvPr/>
-      </p:nvGrpSpPr>
-      <p:grpSpPr>
-        <a:xfrm>
-          <a:off x="0" y="0"/>
-          <a:ext cx="0" cy="0"/>
-          <a:chOff x="0" y="0"/>
-          <a:chExt cx="0" cy="0"/>
-        </a:xfrm>
-      </p:grpSpPr>
-      <p:sp>
-        <p:nvSpPr>
-          <p:cNvPr id="2" name="Title 1"/>
-          <p:cNvSpPr>
-            <a:spLocks noGrp="1"/>
-          </p:cNvSpPr>
-          <p:nvPr>
-            <p:ph type="title"/>
-          </p:nvPr>
-        </p:nvSpPr>
-        <p:spPr/>
-        <p:txBody>
-          <a:bodyPr/>
-          <a:lstStyle/>
-          <a:p>
-            <a:r>
-              <a:rPr lang="en-US" dirty="0" smtClean="0"/>
-              <a:t>Agenda</a:t>
-            </a:r>
-            <a:endParaRPr lang="en-US" dirty="0">
-              <a:solidFill>
-                <a:srgbClr val="138A7E"/>
-              </a:solidFill>
-            </a:endParaRPr>
-          </a:p>
-        </p:txBody>
-      </p:sp>
-      <p:sp>
-        <p:nvSpPr>
-          <p:cNvPr id="3" name="Content Placeholder 2"/>
-          <p:cNvSpPr>
-            <a:spLocks noGrp="1"/>
-          </p:cNvSpPr>
-          <p:nvPr>
-            <p:ph sz="quarter" idx="10"/>
-          </p:nvPr>
-        </p:nvSpPr>
-        <p:spPr>
-          <a:xfrm>
-            <a:off x="810380" y="1108074"/>
-            <a:ext cx="7745259" cy="3273007"/>
-          </a:xfrm>
-        </p:spPr>
-        <p:txBody>
-          <a:bodyPr anchor="ctr">
-            <a:normAutofit/>
-          </a:bodyPr>
-          <a:lstStyle/>
-          <a:p>
-            <a:pPr marL="514350" indent="-514350">
-              <a:buFont typeface="+mj-lt"/>
-              <a:buAutoNum type="arabicPeriod"/>
-            </a:pPr>
-            <a:r>
-              <a:rPr lang="en-US" dirty="0" smtClean="0">
-                <a:solidFill>
-                  <a:schemeClr val="bg2">
-                    <a:lumMod val="50000"/>
-                  </a:schemeClr>
-                </a:solidFill>
-              </a:rPr>
-              <a:t>Challenges building non-Boot applications</a:t>
-            </a:r>
-          </a:p>
-          <a:p>
-            <a:pPr marL="514350" indent="-514350">
-              <a:buFont typeface="+mj-lt"/>
-              <a:buAutoNum type="arabicPeriod"/>
-            </a:pPr>
-            <a:r>
-              <a:rPr lang="en-US" dirty="0" smtClean="0">
-                <a:solidFill>
-                  <a:schemeClr val="bg2">
-                    <a:lumMod val="50000"/>
-                  </a:schemeClr>
-                </a:solidFill>
-              </a:rPr>
-              <a:t>What </a:t>
-            </a:r>
-            <a:r>
-              <a:rPr lang="en-US" dirty="0">
-                <a:solidFill>
-                  <a:schemeClr val="bg2">
-                    <a:lumMod val="50000"/>
-                  </a:schemeClr>
-                </a:solidFill>
-              </a:rPr>
-              <a:t>is Spring Boot</a:t>
-            </a:r>
-            <a:r>
-              <a:rPr lang="en-US" dirty="0" smtClean="0">
-                <a:solidFill>
-                  <a:schemeClr val="bg2">
-                    <a:lumMod val="50000"/>
-                  </a:schemeClr>
-                </a:solidFill>
-              </a:rPr>
-              <a:t>?</a:t>
-            </a:r>
-            <a:endParaRPr lang="en-US" dirty="0">
-              <a:solidFill>
-                <a:schemeClr val="bg2">
-                  <a:lumMod val="50000"/>
-                </a:schemeClr>
-              </a:solidFill>
-            </a:endParaRPr>
-          </a:p>
-          <a:p>
-            <a:pPr marL="514350" indent="-514350">
-              <a:buFont typeface="+mj-lt"/>
-              <a:buAutoNum type="arabicPeriod"/>
-            </a:pPr>
-            <a:r>
-              <a:rPr lang="en-US" dirty="0" smtClean="0"/>
-              <a:t>Capabilities</a:t>
-            </a:r>
-            <a:endParaRPr lang="en-US" dirty="0"/>
-          </a:p>
-          <a:p>
-            <a:endParaRPr lang="en-US" dirty="0"/>
-          </a:p>
-        </p:txBody>
-      </p:sp>
-    </p:spTree>
-    <p:extLst>
-      <p:ext uri="{BB962C8B-B14F-4D97-AF65-F5344CB8AC3E}">
-        <p14:creationId xmlns:p14="http://schemas.microsoft.com/office/powerpoint/2010/main" val="146872111"/>
-      </p:ext>
-    </p:extLst>
-  </p:cSld>
-  <p:clrMapOvr>
-    <a:masterClrMapping/>
-  </p:clrMapOvr>
-  <mc:AlternateContent xmlns:mc="http://schemas.openxmlformats.org/markup-compatibility/2006" xmlns:p14="http://schemas.microsoft.com/office/powerpoint/2010/main">
-    <mc:Choice Requires="p14">
-      <p:transition p14:dur="0"/>
-    </mc:Choice>
-    <mc:Fallback xmlns="">
-      <p:transition xmlns:p14="http://schemas.microsoft.com/office/powerpoint/2010/main"/>
-    </mc:Fallback>
-  </mc:AlternateContent>
-  <p:timing>
-    <p:tnLst>
-      <p:par>
-        <p:cTn xmlns:p14="http://schemas.microsoft.com/office/powerpoint/2010/main" id="1" dur="indefinite" restart="never" nodeType="tmRoot"/>
-      </p:par>
-    </p:tnLst>
-  </p:timing>
-</p:sld>
-</file>
-
-<file path=ppt/slides/slide13.xml><?xml version="1.0" encoding="utf-8"?>
-<p:sld xmlns:a="http://schemas.openxmlformats.org/drawingml/2006/main" xmlns:r="http://schemas.openxmlformats.org/officeDocument/2006/relationships" xmlns:p="http://schemas.openxmlformats.org/presentationml/2006/main">
-  <p:cSld>
-    <p:spTree>
-      <p:nvGrpSpPr>
-        <p:cNvPr id="1" name=""/>
-        <p:cNvGrpSpPr/>
-        <p:nvPr/>
-      </p:nvGrpSpPr>
-      <p:grpSpPr>
-        <a:xfrm>
-          <a:off x="0" y="0"/>
-          <a:ext cx="0" cy="0"/>
-          <a:chOff x="0" y="0"/>
-          <a:chExt cx="0" cy="0"/>
-        </a:xfrm>
-      </p:grpSpPr>
-      <p:sp>
-        <p:nvSpPr>
-          <p:cNvPr id="2" name="Title 1"/>
-          <p:cNvSpPr>
-            <a:spLocks noGrp="1"/>
-          </p:cNvSpPr>
-          <p:nvPr>
-            <p:ph type="title"/>
-          </p:nvPr>
-        </p:nvSpPr>
-        <p:spPr/>
-        <p:txBody>
-          <a:bodyPr/>
-          <a:lstStyle/>
-          <a:p>
-            <a:r>
-              <a:rPr lang="en-US" dirty="0" smtClean="0"/>
-              <a:t>Capabilities</a:t>
-            </a:r>
-            <a:endParaRPr lang="en-US" dirty="0"/>
-          </a:p>
-        </p:txBody>
-      </p:sp>
-      <p:sp>
-        <p:nvSpPr>
-          <p:cNvPr id="3" name="Content Placeholder 2"/>
-          <p:cNvSpPr>
-            <a:spLocks noGrp="1"/>
-          </p:cNvSpPr>
-          <p:nvPr>
-            <p:ph sz="quarter" idx="10"/>
-          </p:nvPr>
-        </p:nvSpPr>
-        <p:spPr/>
-        <p:txBody>
-          <a:bodyPr anchor="ctr"/>
-          <a:lstStyle/>
-          <a:p>
-            <a:r>
-              <a:rPr lang="en-US" dirty="0" smtClean="0"/>
-              <a:t>Quick start </a:t>
-            </a:r>
-            <a:r>
-              <a:rPr lang="en-US" dirty="0"/>
-              <a:t>project generation</a:t>
-            </a:r>
-          </a:p>
-          <a:p>
-            <a:r>
-              <a:rPr lang="en-US" dirty="0"/>
-              <a:t>Automatic project </a:t>
-            </a:r>
-            <a:r>
-              <a:rPr lang="en-US" dirty="0" smtClean="0"/>
-              <a:t>dependency </a:t>
-            </a:r>
-            <a:r>
-              <a:rPr lang="en-US" dirty="0"/>
-              <a:t>management</a:t>
-            </a:r>
-          </a:p>
-          <a:p>
-            <a:r>
-              <a:rPr lang="en-US" dirty="0"/>
-              <a:t>Configuration drift </a:t>
-            </a:r>
-            <a:r>
-              <a:rPr lang="en-US" dirty="0" smtClean="0"/>
-              <a:t>prevention</a:t>
-            </a:r>
-          </a:p>
-          <a:p>
-            <a:r>
-              <a:rPr lang="en-US" dirty="0"/>
-              <a:t>Conditional </a:t>
-            </a:r>
-            <a:r>
-              <a:rPr lang="en-US" dirty="0" smtClean="0"/>
-              <a:t>configuration</a:t>
-            </a:r>
-            <a:endParaRPr lang="en-US" dirty="0"/>
-          </a:p>
-        </p:txBody>
-      </p:sp>
-    </p:spTree>
-    <p:extLst>
-      <p:ext uri="{BB962C8B-B14F-4D97-AF65-F5344CB8AC3E}">
-        <p14:creationId xmlns:p14="http://schemas.microsoft.com/office/powerpoint/2010/main" val="1947263498"/>
-      </p:ext>
-    </p:extLst>
-  </p:cSld>
-  <p:clrMapOvr>
-    <a:masterClrMapping/>
-  </p:clrMapOvr>
-  <p:transition xmlns:p14="http://schemas.microsoft.com/office/powerpoint/2010/main" spd="slow">
-    <p:wipe/>
-  </p:transition>
-  <p:timing>
-    <p:tnLst>
-      <p:par>
-        <p:cTn xmlns:p14="http://schemas.microsoft.com/office/powerpoint/2010/main" id="1" dur="indefinite" restart="never" nodeType="tmRoot"/>
-      </p:par>
-    </p:tnLst>
-  </p:timing>
-</p:sld>
-</file>
-
-<file path=ppt/slides/slide14.xml><?xml version="1.0" encoding="utf-8"?>
-<p:sld xmlns:a="http://schemas.openxmlformats.org/drawingml/2006/main" xmlns:r="http://schemas.openxmlformats.org/officeDocument/2006/relationships" xmlns:p="http://schemas.openxmlformats.org/presentationml/2006/main">
-  <p:cSld>
-    <p:spTree>
-      <p:nvGrpSpPr>
-        <p:cNvPr id="1" name=""/>
-        <p:cNvGrpSpPr/>
-        <p:nvPr/>
-      </p:nvGrpSpPr>
-      <p:grpSpPr>
-        <a:xfrm>
-          <a:off x="0" y="0"/>
-          <a:ext cx="0" cy="0"/>
-          <a:chOff x="0" y="0"/>
-          <a:chExt cx="0" cy="0"/>
-        </a:xfrm>
-      </p:grpSpPr>
-      <p:sp>
-        <p:nvSpPr>
-          <p:cNvPr id="2" name="Title 1"/>
-          <p:cNvSpPr>
-            <a:spLocks noGrp="1"/>
-          </p:cNvSpPr>
-          <p:nvPr>
-            <p:ph type="title"/>
-          </p:nvPr>
-        </p:nvSpPr>
-        <p:spPr/>
-        <p:txBody>
-          <a:bodyPr/>
-          <a:lstStyle/>
-          <a:p>
-            <a:r>
-              <a:rPr lang="en-US" dirty="0"/>
-              <a:t>Capabilities</a:t>
-            </a:r>
-          </a:p>
-        </p:txBody>
-      </p:sp>
-      <p:sp>
-        <p:nvSpPr>
-          <p:cNvPr id="3" name="Content Placeholder 2"/>
-          <p:cNvSpPr>
-            <a:spLocks noGrp="1"/>
-          </p:cNvSpPr>
-          <p:nvPr>
-            <p:ph sz="quarter" idx="10"/>
-          </p:nvPr>
-        </p:nvSpPr>
-        <p:spPr/>
-        <p:txBody>
-          <a:bodyPr anchor="ctr"/>
-          <a:lstStyle/>
-          <a:p>
-            <a:r>
-              <a:rPr lang="en-US" dirty="0" smtClean="0"/>
-              <a:t>Developer </a:t>
-            </a:r>
-            <a:r>
-              <a:rPr lang="en-US" dirty="0"/>
-              <a:t>Productivity </a:t>
-            </a:r>
-            <a:r>
-              <a:rPr lang="en-US" dirty="0" smtClean="0"/>
-              <a:t>Tooling</a:t>
-            </a:r>
-            <a:endParaRPr lang="en-US" dirty="0"/>
-          </a:p>
-          <a:p>
-            <a:r>
-              <a:rPr lang="en-US" dirty="0"/>
-              <a:t>Auto-configuration</a:t>
-            </a:r>
-          </a:p>
-          <a:p>
-            <a:r>
-              <a:rPr lang="en-US" dirty="0"/>
-              <a:t>Monitoring and management </a:t>
-            </a:r>
-            <a:r>
-              <a:rPr lang="en-US" dirty="0" smtClean="0"/>
-              <a:t>endpoints</a:t>
-            </a:r>
-          </a:p>
-          <a:p>
-            <a:r>
-              <a:rPr lang="en-US" dirty="0" smtClean="0"/>
-              <a:t>Microservices-friendliness</a:t>
-            </a:r>
-            <a:endParaRPr lang="en-US" dirty="0"/>
-          </a:p>
-        </p:txBody>
-      </p:sp>
-    </p:spTree>
-    <p:extLst>
-      <p:ext uri="{BB962C8B-B14F-4D97-AF65-F5344CB8AC3E}">
-        <p14:creationId xmlns:p14="http://schemas.microsoft.com/office/powerpoint/2010/main" val="3136355595"/>
-      </p:ext>
-    </p:extLst>
-  </p:cSld>
-  <p:clrMapOvr>
-    <a:masterClrMapping/>
-  </p:clrMapOvr>
-  <p:transition xmlns:p14="http://schemas.microsoft.com/office/powerpoint/2010/main" spd="slow">
-    <p:wipe/>
-  </p:transition>
-  <p:timing>
-    <p:tnLst>
-      <p:par>
-        <p:cTn xmlns:p14="http://schemas.microsoft.com/office/powerpoint/2010/main" id="1" dur="indefinite" restart="never" nodeType="tmRoot"/>
-      </p:par>
-    </p:tnLst>
-  </p:timing>
-</p:sld>
-</file>
-
-<file path=ppt/slides/slide15.xml><?xml version="1.0" encoding="utf-8"?>
-<p:sld xmlns:a="http://schemas.openxmlformats.org/drawingml/2006/main" xmlns:r="http://schemas.openxmlformats.org/officeDocument/2006/relationships" xmlns:p="http://schemas.openxmlformats.org/presentationml/2006/main">
-  <p:cSld>
-    <p:spTree>
-      <p:nvGrpSpPr>
-        <p:cNvPr id="1" name=""/>
-        <p:cNvGrpSpPr/>
-        <p:nvPr/>
-      </p:nvGrpSpPr>
-      <p:grpSpPr>
-        <a:xfrm>
-          <a:off x="0" y="0"/>
-          <a:ext cx="0" cy="0"/>
-          <a:chOff x="0" y="0"/>
-          <a:chExt cx="0" cy="0"/>
-        </a:xfrm>
-      </p:grpSpPr>
-      <p:sp>
-        <p:nvSpPr>
-          <p:cNvPr id="3" name="Content Placeholder 2"/>
-          <p:cNvSpPr>
-            <a:spLocks noGrp="1"/>
-          </p:cNvSpPr>
-          <p:nvPr>
-            <p:ph sz="quarter" idx="10"/>
-          </p:nvPr>
-        </p:nvSpPr>
-        <p:spPr/>
-        <p:txBody>
-          <a:bodyPr anchor="ctr">
-            <a:normAutofit/>
-          </a:bodyPr>
-          <a:lstStyle/>
-          <a:p>
-            <a:pPr marL="0" indent="0" algn="ctr">
-              <a:buNone/>
-            </a:pPr>
-            <a:r>
-              <a:rPr lang="en-US" sz="4800" dirty="0" smtClean="0"/>
-              <a:t>Spring Initializr</a:t>
-            </a:r>
-          </a:p>
-          <a:p>
-            <a:pPr marL="0" indent="0" algn="ctr">
-              <a:buNone/>
-            </a:pPr>
-            <a:r>
-              <a:rPr lang="en-US" sz="1800" dirty="0" smtClean="0">
-                <a:solidFill>
-                  <a:schemeClr val="bg2">
-                    <a:lumMod val="50000"/>
-                  </a:schemeClr>
-                </a:solidFill>
-              </a:rPr>
-              <a:t>(Quick start </a:t>
-            </a:r>
-            <a:r>
-              <a:rPr lang="en-US" sz="1800" dirty="0">
-                <a:solidFill>
-                  <a:schemeClr val="bg2">
-                    <a:lumMod val="50000"/>
-                  </a:schemeClr>
-                </a:solidFill>
-              </a:rPr>
-              <a:t>project </a:t>
-            </a:r>
-            <a:r>
-              <a:rPr lang="en-US" sz="1800" dirty="0" smtClean="0">
-                <a:solidFill>
-                  <a:schemeClr val="bg2">
-                    <a:lumMod val="50000"/>
-                  </a:schemeClr>
-                </a:solidFill>
-              </a:rPr>
-              <a:t>generation)</a:t>
-            </a:r>
-            <a:endParaRPr lang="en-US" sz="1800" dirty="0">
-              <a:solidFill>
-                <a:schemeClr val="bg2">
-                  <a:lumMod val="50000"/>
-                </a:schemeClr>
-              </a:solidFill>
-            </a:endParaRPr>
-          </a:p>
-        </p:txBody>
-      </p:sp>
-    </p:spTree>
-    <p:extLst>
-      <p:ext uri="{BB962C8B-B14F-4D97-AF65-F5344CB8AC3E}">
-        <p14:creationId xmlns:p14="http://schemas.microsoft.com/office/powerpoint/2010/main" val="1296528934"/>
-      </p:ext>
-    </p:extLst>
-  </p:cSld>
-  <p:clrMapOvr>
-    <a:masterClrMapping/>
-  </p:clrMapOvr>
-  <p:transition xmlns:p14="http://schemas.microsoft.com/office/powerpoint/2010/main" spd="slow">
-    <p:wipe/>
-  </p:transition>
-  <p:timing>
-    <p:tnLst>
-      <p:par>
-        <p:cTn xmlns:p14="http://schemas.microsoft.com/office/powerpoint/2010/main" id="1" dur="indefinite" restart="never" nodeType="tmRoot"/>
-      </p:par>
-    </p:tnLst>
-  </p:timing>
-</p:sld>
-</file>
-
-<file path=ppt/slides/slide16.xml><?xml version="1.0" encoding="utf-8"?>
-<p:sld xmlns:a="http://schemas.openxmlformats.org/drawingml/2006/main" xmlns:r="http://schemas.openxmlformats.org/officeDocument/2006/relationships" xmlns:p="http://schemas.openxmlformats.org/presentationml/2006/main">
-  <p:cSld>
-    <p:spTree>
-      <p:nvGrpSpPr>
-        <p:cNvPr id="1" name=""/>
-        <p:cNvGrpSpPr/>
-        <p:nvPr/>
-      </p:nvGrpSpPr>
-      <p:grpSpPr>
-        <a:xfrm>
-          <a:off x="0" y="0"/>
-          <a:ext cx="0" cy="0"/>
-          <a:chOff x="0" y="0"/>
-          <a:chExt cx="0" cy="0"/>
-        </a:xfrm>
-      </p:grpSpPr>
-      <p:sp>
-        <p:nvSpPr>
-          <p:cNvPr id="3" name="Content Placeholder 2"/>
-          <p:cNvSpPr>
-            <a:spLocks noGrp="1"/>
-          </p:cNvSpPr>
-          <p:nvPr>
-            <p:ph sz="quarter" idx="10"/>
-          </p:nvPr>
-        </p:nvSpPr>
-        <p:spPr/>
-        <p:txBody>
-          <a:bodyPr anchor="ctr"/>
-          <a:lstStyle/>
-          <a:p>
-            <a:pPr marL="0" indent="0" algn="ctr">
-              <a:buNone/>
-            </a:pPr>
-            <a:r>
-              <a:rPr lang="en-US" dirty="0" smtClean="0"/>
-              <a:t>Spring Initializr is a configurable </a:t>
-            </a:r>
-            <a:r>
-              <a:rPr lang="en-US" dirty="0"/>
-              <a:t>service to </a:t>
-            </a:r>
-            <a:r>
-              <a:rPr lang="en-US" dirty="0" smtClean="0"/>
-              <a:t>consistently and easily generate </a:t>
-            </a:r>
-            <a:r>
-              <a:rPr lang="en-US" dirty="0"/>
-              <a:t>a </a:t>
-            </a:r>
-            <a:r>
-              <a:rPr lang="en-US" dirty="0" smtClean="0"/>
-              <a:t>quick start project</a:t>
-            </a:r>
-          </a:p>
-          <a:p>
-            <a:pPr marL="0" indent="0">
-              <a:buNone/>
-            </a:pPr>
-            <a:endParaRPr lang="en-US" dirty="0"/>
-          </a:p>
-        </p:txBody>
-      </p:sp>
-      <p:sp>
-        <p:nvSpPr>
-          <p:cNvPr id="4" name="Title 1"/>
-          <p:cNvSpPr>
-            <a:spLocks noGrp="1"/>
-          </p:cNvSpPr>
-          <p:nvPr>
-            <p:ph type="title"/>
-          </p:nvPr>
-        </p:nvSpPr>
-        <p:spPr>
-          <a:xfrm>
-            <a:off x="457199" y="320040"/>
-            <a:ext cx="8229601" cy="363558"/>
-          </a:xfrm>
-        </p:spPr>
-        <p:txBody>
-          <a:bodyPr/>
-          <a:lstStyle/>
-          <a:p>
-            <a:r>
-              <a:rPr lang="en-US" dirty="0" smtClean="0"/>
-              <a:t>Spring Initializer</a:t>
-            </a:r>
-            <a:endParaRPr lang="en-US" dirty="0"/>
-          </a:p>
-        </p:txBody>
-      </p:sp>
-    </p:spTree>
-    <p:extLst>
-      <p:ext uri="{BB962C8B-B14F-4D97-AF65-F5344CB8AC3E}">
-        <p14:creationId xmlns:p14="http://schemas.microsoft.com/office/powerpoint/2010/main" val="2482656177"/>
-      </p:ext>
-    </p:extLst>
-  </p:cSld>
-  <p:clrMapOvr>
-    <a:masterClrMapping/>
-  </p:clrMapOvr>
-  <p:transition xmlns:p14="http://schemas.microsoft.com/office/powerpoint/2010/main" spd="slow">
-    <p:wipe/>
-  </p:transition>
-  <p:timing>
-    <p:tnLst>
-      <p:par>
-        <p:cTn xmlns:p14="http://schemas.microsoft.com/office/powerpoint/2010/main" id="1" dur="indefinite" restart="never" nodeType="tmRoot"/>
-      </p:par>
-    </p:tnLst>
-  </p:timing>
-</p:sld>
-</file>
-
-<file path=ppt/slides/slide17.xml><?xml version="1.0" encoding="utf-8"?>
-<p:sld xmlns:a="http://schemas.openxmlformats.org/drawingml/2006/main" xmlns:r="http://schemas.openxmlformats.org/officeDocument/2006/relationships" xmlns:p="http://schemas.openxmlformats.org/presentationml/2006/main">
-  <p:cSld>
-    <p:spTree>
-      <p:nvGrpSpPr>
-        <p:cNvPr id="1" name=""/>
-        <p:cNvGrpSpPr/>
-        <p:nvPr/>
-      </p:nvGrpSpPr>
-      <p:grpSpPr>
-        <a:xfrm>
-          <a:off x="0" y="0"/>
-          <a:ext cx="0" cy="0"/>
-          <a:chOff x="0" y="0"/>
-          <a:chExt cx="0" cy="0"/>
-        </a:xfrm>
-      </p:grpSpPr>
-      <p:sp>
-        <p:nvSpPr>
-          <p:cNvPr id="3" name="Content Placeholder 2"/>
-          <p:cNvSpPr>
-            <a:spLocks noGrp="1"/>
-          </p:cNvSpPr>
-          <p:nvPr>
-            <p:ph sz="quarter" idx="10"/>
-          </p:nvPr>
-        </p:nvSpPr>
-        <p:spPr/>
-        <p:txBody>
-          <a:bodyPr anchor="ctr">
-            <a:normAutofit/>
-          </a:bodyPr>
-          <a:lstStyle/>
-          <a:p>
-            <a:r>
-              <a:rPr lang="en-US" sz="2400" dirty="0" smtClean="0">
-                <a:latin typeface="Arial"/>
-                <a:cs typeface="Arial"/>
-              </a:rPr>
-              <a:t>Generates a Spring Boot project structure</a:t>
-            </a:r>
-          </a:p>
-          <a:p>
-            <a:r>
-              <a:rPr lang="en-US" sz="2400" dirty="0" smtClean="0">
-                <a:latin typeface="Arial"/>
-                <a:cs typeface="Arial"/>
-              </a:rPr>
-              <a:t>Provides a Maven/</a:t>
-            </a:r>
-            <a:r>
-              <a:rPr lang="en-US" sz="2400" dirty="0" err="1" smtClean="0">
-                <a:latin typeface="Arial"/>
-                <a:cs typeface="Arial"/>
-              </a:rPr>
-              <a:t>Gradle</a:t>
-            </a:r>
-            <a:r>
-              <a:rPr lang="en-US" sz="2400" dirty="0" smtClean="0">
-                <a:latin typeface="Arial"/>
-                <a:cs typeface="Arial"/>
-              </a:rPr>
-              <a:t> build specification</a:t>
-            </a:r>
-          </a:p>
-          <a:p>
-            <a:r>
-              <a:rPr lang="en-US" sz="2400" dirty="0" smtClean="0">
-                <a:latin typeface="Arial"/>
-                <a:cs typeface="Arial"/>
-              </a:rPr>
-              <a:t>Doesn’t generate application code</a:t>
-            </a:r>
-          </a:p>
-          <a:p>
-            <a:r>
-              <a:rPr lang="en-US" sz="2400" dirty="0" smtClean="0">
-                <a:latin typeface="Arial"/>
-                <a:cs typeface="Arial"/>
-              </a:rPr>
-              <a:t>You can customize the Spring </a:t>
-            </a:r>
-            <a:r>
-              <a:rPr lang="en-US" sz="2400" dirty="0" err="1" smtClean="0">
-                <a:latin typeface="Arial"/>
-                <a:cs typeface="Arial"/>
-              </a:rPr>
-              <a:t>Initialzr</a:t>
-            </a:r>
-            <a:endParaRPr lang="en-US" sz="2400" dirty="0">
-              <a:latin typeface="Arial"/>
-              <a:cs typeface="Arial"/>
-            </a:endParaRPr>
-          </a:p>
-          <a:p>
-            <a:pPr lvl="1"/>
-            <a:r>
-              <a:rPr lang="en-US" sz="2000" dirty="0">
-                <a:latin typeface="Courier"/>
-                <a:cs typeface="Courier"/>
-              </a:rPr>
-              <a:t>https://</a:t>
-            </a:r>
-            <a:r>
-              <a:rPr lang="en-US" sz="2000" dirty="0" err="1">
-                <a:latin typeface="Courier"/>
-                <a:cs typeface="Courier"/>
-              </a:rPr>
-              <a:t>github.com</a:t>
-            </a:r>
-            <a:r>
-              <a:rPr lang="en-US" sz="2000" dirty="0">
-                <a:latin typeface="Courier"/>
-                <a:cs typeface="Courier"/>
-              </a:rPr>
-              <a:t>/spring-</a:t>
-            </a:r>
-            <a:r>
-              <a:rPr lang="en-US" sz="2000" dirty="0" err="1">
-                <a:latin typeface="Courier"/>
-                <a:cs typeface="Courier"/>
-              </a:rPr>
-              <a:t>io</a:t>
-            </a:r>
-            <a:r>
-              <a:rPr lang="en-US" sz="2000" dirty="0">
-                <a:latin typeface="Courier"/>
-                <a:cs typeface="Courier"/>
-              </a:rPr>
-              <a:t>/</a:t>
-            </a:r>
-            <a:r>
-              <a:rPr lang="en-US" sz="2000" dirty="0" err="1">
-                <a:latin typeface="Courier"/>
-                <a:cs typeface="Courier"/>
-              </a:rPr>
-              <a:t>initializr</a:t>
-            </a:r>
-            <a:r>
-              <a:rPr lang="en-US" sz="2000" dirty="0" smtClean="0">
-                <a:latin typeface="Courier"/>
-                <a:cs typeface="Courier"/>
-              </a:rPr>
-              <a:t>/</a:t>
-            </a:r>
-            <a:endParaRPr lang="en-US" sz="2000" dirty="0">
-              <a:latin typeface="Courier"/>
-              <a:cs typeface="Courier"/>
-            </a:endParaRPr>
-          </a:p>
-        </p:txBody>
-      </p:sp>
-      <p:sp>
-        <p:nvSpPr>
-          <p:cNvPr id="4" name="Title 1"/>
-          <p:cNvSpPr>
-            <a:spLocks noGrp="1"/>
-          </p:cNvSpPr>
-          <p:nvPr>
-            <p:ph type="title"/>
-          </p:nvPr>
-        </p:nvSpPr>
-        <p:spPr/>
-        <p:txBody>
-          <a:bodyPr/>
-          <a:lstStyle/>
-          <a:p>
-            <a:r>
-              <a:rPr lang="en-US" dirty="0" smtClean="0"/>
-              <a:t>Spring Initializer</a:t>
-            </a:r>
-            <a:endParaRPr lang="en-US" dirty="0"/>
-          </a:p>
-        </p:txBody>
-      </p:sp>
-    </p:spTree>
-    <p:extLst>
-      <p:ext uri="{BB962C8B-B14F-4D97-AF65-F5344CB8AC3E}">
-        <p14:creationId xmlns:p14="http://schemas.microsoft.com/office/powerpoint/2010/main" val="3637789176"/>
-      </p:ext>
-    </p:extLst>
-  </p:cSld>
-  <p:clrMapOvr>
-    <a:masterClrMapping/>
-  </p:clrMapOvr>
-  <p:transition xmlns:p14="http://schemas.microsoft.com/office/powerpoint/2010/main" spd="slow">
-    <p:wipe/>
-  </p:transition>
-  <p:timing>
-    <p:tnLst>
-      <p:par>
-        <p:cTn xmlns:p14="http://schemas.microsoft.com/office/powerpoint/2010/main" id="1" dur="indefinite" restart="never" nodeType="tmRoot"/>
-      </p:par>
-    </p:tnLst>
-  </p:timing>
-</p:sld>
-</file>
-
-<file path=ppt/slides/slide18.xml><?xml version="1.0" encoding="utf-8"?>
-<p:sld xmlns:a="http://schemas.openxmlformats.org/drawingml/2006/main" xmlns:r="http://schemas.openxmlformats.org/officeDocument/2006/relationships" xmlns:p="http://schemas.openxmlformats.org/presentationml/2006/main">
-  <p:cSld>
-    <p:spTree>
-      <p:nvGrpSpPr>
-        <p:cNvPr id="1" name=""/>
-        <p:cNvGrpSpPr/>
-        <p:nvPr/>
-      </p:nvGrpSpPr>
-      <p:grpSpPr>
-        <a:xfrm>
-          <a:off x="0" y="0"/>
-          <a:ext cx="0" cy="0"/>
-          <a:chOff x="0" y="0"/>
-          <a:chExt cx="0" cy="0"/>
-        </a:xfrm>
-      </p:grpSpPr>
-      <p:sp>
-        <p:nvSpPr>
-          <p:cNvPr id="2" name="Title 1"/>
-          <p:cNvSpPr>
-            <a:spLocks noGrp="1"/>
-          </p:cNvSpPr>
-          <p:nvPr>
-            <p:ph type="title"/>
-          </p:nvPr>
-        </p:nvSpPr>
-        <p:spPr/>
-        <p:txBody>
-          <a:bodyPr/>
-          <a:lstStyle/>
-          <a:p>
-            <a:endParaRPr lang="en-US"/>
-          </a:p>
-        </p:txBody>
-      </p:sp>
-      <p:sp>
-        <p:nvSpPr>
-          <p:cNvPr id="3" name="Content Placeholder 2"/>
-          <p:cNvSpPr>
-            <a:spLocks noGrp="1"/>
-          </p:cNvSpPr>
-          <p:nvPr>
-            <p:ph sz="quarter" idx="10"/>
-          </p:nvPr>
-        </p:nvSpPr>
-        <p:spPr/>
-        <p:txBody>
-          <a:bodyPr anchor="ctr">
-            <a:normAutofit/>
-          </a:bodyPr>
-          <a:lstStyle/>
-          <a:p>
-            <a:pPr marL="0" indent="0" algn="ctr">
-              <a:buNone/>
-            </a:pPr>
-            <a:r>
-              <a:rPr lang="en-US" sz="4800" dirty="0" smtClean="0"/>
-              <a:t>Spring Boot starters</a:t>
-            </a:r>
-          </a:p>
-          <a:p>
-            <a:pPr marL="0" indent="0" algn="ctr">
-              <a:buNone/>
-            </a:pPr>
-            <a:r>
-              <a:rPr lang="en-US" sz="1800" dirty="0" smtClean="0">
-                <a:solidFill>
-                  <a:schemeClr val="bg2">
-                    <a:lumMod val="50000"/>
-                  </a:schemeClr>
-                </a:solidFill>
-              </a:rPr>
-              <a:t>(Automatic </a:t>
-            </a:r>
-            <a:r>
-              <a:rPr lang="en-US" sz="1800" dirty="0">
-                <a:solidFill>
-                  <a:schemeClr val="bg2">
-                    <a:lumMod val="50000"/>
-                  </a:schemeClr>
-                </a:solidFill>
-              </a:rPr>
-              <a:t>project dependency </a:t>
-            </a:r>
-            <a:r>
-              <a:rPr lang="en-US" sz="1800" dirty="0" smtClean="0">
-                <a:solidFill>
-                  <a:schemeClr val="bg2">
-                    <a:lumMod val="50000"/>
-                  </a:schemeClr>
-                </a:solidFill>
-              </a:rPr>
-              <a:t>management)</a:t>
-            </a:r>
-            <a:endParaRPr lang="en-US" sz="1800" dirty="0">
-              <a:solidFill>
-                <a:schemeClr val="bg2">
-                  <a:lumMod val="50000"/>
-                </a:schemeClr>
-              </a:solidFill>
-            </a:endParaRPr>
-          </a:p>
-        </p:txBody>
-      </p:sp>
-    </p:spTree>
-    <p:extLst>
-      <p:ext uri="{BB962C8B-B14F-4D97-AF65-F5344CB8AC3E}">
-        <p14:creationId xmlns:p14="http://schemas.microsoft.com/office/powerpoint/2010/main" val="1346859884"/>
-      </p:ext>
-    </p:extLst>
-  </p:cSld>
-  <p:clrMapOvr>
-    <a:masterClrMapping/>
-  </p:clrMapOvr>
-  <p:transition xmlns:p14="http://schemas.microsoft.com/office/powerpoint/2010/main" spd="slow">
-    <p:wipe/>
-  </p:transition>
-  <p:timing>
-    <p:tnLst>
-      <p:par>
-        <p:cTn xmlns:p14="http://schemas.microsoft.com/office/powerpoint/2010/main" id="1" dur="indefinite" restart="never" nodeType="tmRoot"/>
-      </p:par>
-    </p:tnLst>
-  </p:timing>
-</p:sld>
-</file>
-
-<file path=ppt/slides/slide19.xml><?xml version="1.0" encoding="utf-8"?>
-<p:sld xmlns:a="http://schemas.openxmlformats.org/drawingml/2006/main" xmlns:r="http://schemas.openxmlformats.org/officeDocument/2006/relationships" xmlns:p="http://schemas.openxmlformats.org/presentationml/2006/main">
-  <p:cSld>
-    <p:spTree>
-      <p:nvGrpSpPr>
-        <p:cNvPr id="1" name=""/>
-        <p:cNvGrpSpPr/>
-        <p:nvPr/>
-      </p:nvGrpSpPr>
-      <p:grpSpPr>
-        <a:xfrm>
-          <a:off x="0" y="0"/>
-          <a:ext cx="0" cy="0"/>
-          <a:chOff x="0" y="0"/>
-          <a:chExt cx="0" cy="0"/>
-        </a:xfrm>
-      </p:grpSpPr>
-      <p:sp>
-        <p:nvSpPr>
-          <p:cNvPr id="2" name="Title 1"/>
-          <p:cNvSpPr>
-            <a:spLocks noGrp="1"/>
-          </p:cNvSpPr>
-          <p:nvPr>
-            <p:ph type="title"/>
-          </p:nvPr>
-        </p:nvSpPr>
-        <p:spPr/>
-        <p:txBody>
-          <a:bodyPr/>
-          <a:lstStyle/>
-          <a:p>
-            <a:r>
               <a:rPr lang="en-US" dirty="0"/>
               <a:t>Spring Boot </a:t>
             </a:r>
@@ -14647,7 +13189,7 @@
 </p:sld>
 </file>
 
-<file path=ppt/slides/slide2.xml><?xml version="1.0" encoding="utf-8"?>
+<file path=ppt/slides/slide12.xml><?xml version="1.0" encoding="utf-8"?>
 <p:sld xmlns:a="http://schemas.openxmlformats.org/drawingml/2006/main" xmlns:r="http://schemas.openxmlformats.org/officeDocument/2006/relationships" xmlns:p="http://schemas.openxmlformats.org/presentationml/2006/main">
   <p:cSld>
     <p:spTree>
@@ -14679,15 +13221,7 @@
           <a:bodyPr/>
           <a:lstStyle/>
           <a:p>
-            <a:r>
-              <a:rPr lang="en-US" dirty="0" smtClean="0"/>
-              <a:t>Agenda</a:t>
-            </a:r>
-            <a:endParaRPr lang="en-US" dirty="0">
-              <a:solidFill>
-                <a:srgbClr val="138A7E"/>
-              </a:solidFill>
-            </a:endParaRPr>
+            <a:endParaRPr lang="en-US"/>
           </a:p>
         </p:txBody>
       </p:sp>
@@ -14701,80 +13235,58 @@
             <p:ph sz="quarter" idx="10"/>
           </p:nvPr>
         </p:nvSpPr>
-        <p:spPr>
-          <a:xfrm>
-            <a:off x="810380" y="1108074"/>
-            <a:ext cx="7745259" cy="3273007"/>
-          </a:xfrm>
-        </p:spPr>
+        <p:spPr/>
         <p:txBody>
           <a:bodyPr anchor="ctr">
             <a:normAutofit/>
           </a:bodyPr>
           <a:lstStyle/>
           <a:p>
-            <a:pPr marL="514350" indent="-514350">
-              <a:buFont typeface="+mj-lt"/>
-              <a:buAutoNum type="arabicPeriod"/>
+            <a:pPr marL="0" indent="0" algn="ctr">
+              <a:buNone/>
             </a:pPr>
             <a:r>
-              <a:rPr lang="en-US" dirty="0" smtClean="0"/>
-              <a:t>Challenges building non-Boot applications</a:t>
-            </a:r>
-          </a:p>
-          <a:p>
-            <a:pPr marL="514350" indent="-514350">
-              <a:buFont typeface="+mj-lt"/>
-              <a:buAutoNum type="arabicPeriod"/>
+              <a:rPr lang="en-US" sz="4800" dirty="0" smtClean="0"/>
+              <a:t>Profiles</a:t>
+            </a:r>
+          </a:p>
+          <a:p>
+            <a:pPr marL="0" indent="0" algn="ctr">
+              <a:buNone/>
             </a:pPr>
             <a:r>
-              <a:rPr lang="en-US" dirty="0" smtClean="0"/>
-              <a:t>What </a:t>
-            </a:r>
-            <a:r>
-              <a:rPr lang="en-US" dirty="0"/>
-              <a:t>is Spring Boot</a:t>
-            </a:r>
-            <a:r>
-              <a:rPr lang="en-US" dirty="0" smtClean="0"/>
-              <a:t>?</a:t>
-            </a:r>
-            <a:endParaRPr lang="en-US" dirty="0"/>
-          </a:p>
-          <a:p>
-            <a:pPr marL="514350" indent="-514350">
-              <a:buFont typeface="+mj-lt"/>
-              <a:buAutoNum type="arabicPeriod"/>
-            </a:pPr>
-            <a:r>
-              <a:rPr lang="en-US" dirty="0" smtClean="0"/>
-              <a:t>Capabilities</a:t>
-            </a:r>
-            <a:endParaRPr lang="en-US" dirty="0"/>
-          </a:p>
-          <a:p>
-            <a:endParaRPr lang="en-US" dirty="0"/>
+              <a:rPr lang="en-US" sz="1800" dirty="0" smtClean="0">
+                <a:solidFill>
+                  <a:schemeClr val="bg2">
+                    <a:lumMod val="50000"/>
+                  </a:schemeClr>
+                </a:solidFill>
+              </a:rPr>
+              <a:t>(Conditional configuration)</a:t>
+            </a:r>
+            <a:endParaRPr lang="en-US" sz="1800" dirty="0">
+              <a:solidFill>
+                <a:schemeClr val="bg2">
+                  <a:lumMod val="50000"/>
+                </a:schemeClr>
+              </a:solidFill>
+            </a:endParaRPr>
           </a:p>
         </p:txBody>
       </p:sp>
     </p:spTree>
     <p:extLst>
       <p:ext uri="{BB962C8B-B14F-4D97-AF65-F5344CB8AC3E}">
-        <p14:creationId xmlns:p14="http://schemas.microsoft.com/office/powerpoint/2010/main" val="3346345671"/>
+        <p14:creationId xmlns:p14="http://schemas.microsoft.com/office/powerpoint/2010/main" val="2532945565"/>
       </p:ext>
     </p:extLst>
   </p:cSld>
   <p:clrMapOvr>
     <a:masterClrMapping/>
   </p:clrMapOvr>
-  <mc:AlternateContent xmlns:mc="http://schemas.openxmlformats.org/markup-compatibility/2006" xmlns:p14="http://schemas.microsoft.com/office/powerpoint/2010/main">
-    <mc:Choice Requires="p14">
-      <p:transition p14:dur="0"/>
-    </mc:Choice>
-    <mc:Fallback xmlns="">
-      <p:transition xmlns:p14="http://schemas.microsoft.com/office/powerpoint/2010/main"/>
-    </mc:Fallback>
-  </mc:AlternateContent>
+  <p:transition xmlns:p14="http://schemas.microsoft.com/office/powerpoint/2010/main" spd="slow">
+    <p:wipe/>
+  </p:transition>
   <p:timing>
     <p:tnLst>
       <p:par>
@@ -14785,7 +13297,7 @@
 </p:sld>
 </file>
 
-<file path=ppt/slides/slide20.xml><?xml version="1.0" encoding="utf-8"?>
+<file path=ppt/slides/slide13.xml><?xml version="1.0" encoding="utf-8"?>
 <p:sld xmlns:a="http://schemas.openxmlformats.org/drawingml/2006/main" xmlns:r="http://schemas.openxmlformats.org/officeDocument/2006/relationships" xmlns:p="http://schemas.openxmlformats.org/presentationml/2006/main">
   <p:cSld>
     <p:spTree>
@@ -14817,114 +13329,6 @@
           <a:bodyPr/>
           <a:lstStyle/>
           <a:p>
-            <a:endParaRPr lang="en-US"/>
-          </a:p>
-        </p:txBody>
-      </p:sp>
-      <p:sp>
-        <p:nvSpPr>
-          <p:cNvPr id="3" name="Content Placeholder 2"/>
-          <p:cNvSpPr>
-            <a:spLocks noGrp="1"/>
-          </p:cNvSpPr>
-          <p:nvPr>
-            <p:ph sz="quarter" idx="10"/>
-          </p:nvPr>
-        </p:nvSpPr>
-        <p:spPr/>
-        <p:txBody>
-          <a:bodyPr anchor="ctr">
-            <a:normAutofit/>
-          </a:bodyPr>
-          <a:lstStyle/>
-          <a:p>
-            <a:pPr marL="0" indent="0" algn="ctr">
-              <a:buNone/>
-            </a:pPr>
-            <a:r>
-              <a:rPr lang="en-US" sz="4800" dirty="0" smtClean="0"/>
-              <a:t>Profiles</a:t>
-            </a:r>
-          </a:p>
-          <a:p>
-            <a:pPr marL="0" indent="0" algn="ctr">
-              <a:buNone/>
-            </a:pPr>
-            <a:r>
-              <a:rPr lang="en-US" sz="1800" dirty="0" smtClean="0">
-                <a:solidFill>
-                  <a:schemeClr val="bg2">
-                    <a:lumMod val="50000"/>
-                  </a:schemeClr>
-                </a:solidFill>
-              </a:rPr>
-              <a:t>(Conditional configuration)</a:t>
-            </a:r>
-            <a:endParaRPr lang="en-US" sz="1800" dirty="0">
-              <a:solidFill>
-                <a:schemeClr val="bg2">
-                  <a:lumMod val="50000"/>
-                </a:schemeClr>
-              </a:solidFill>
-            </a:endParaRPr>
-          </a:p>
-        </p:txBody>
-      </p:sp>
-    </p:spTree>
-    <p:extLst>
-      <p:ext uri="{BB962C8B-B14F-4D97-AF65-F5344CB8AC3E}">
-        <p14:creationId xmlns:p14="http://schemas.microsoft.com/office/powerpoint/2010/main" val="2532945565"/>
-      </p:ext>
-    </p:extLst>
-  </p:cSld>
-  <p:clrMapOvr>
-    <a:masterClrMapping/>
-  </p:clrMapOvr>
-  <p:transition xmlns:p14="http://schemas.microsoft.com/office/powerpoint/2010/main" spd="slow">
-    <p:wipe/>
-  </p:transition>
-  <p:timing>
-    <p:tnLst>
-      <p:par>
-        <p:cTn xmlns:p14="http://schemas.microsoft.com/office/powerpoint/2010/main" id="1" dur="indefinite" restart="never" nodeType="tmRoot"/>
-      </p:par>
-    </p:tnLst>
-  </p:timing>
-</p:sld>
-</file>
-
-<file path=ppt/slides/slide21.xml><?xml version="1.0" encoding="utf-8"?>
-<p:sld xmlns:a="http://schemas.openxmlformats.org/drawingml/2006/main" xmlns:r="http://schemas.openxmlformats.org/officeDocument/2006/relationships" xmlns:p="http://schemas.openxmlformats.org/presentationml/2006/main">
-  <p:cSld>
-    <p:spTree>
-      <p:nvGrpSpPr>
-        <p:cNvPr id="1" name=""/>
-        <p:cNvGrpSpPr/>
-        <p:nvPr/>
-      </p:nvGrpSpPr>
-      <p:grpSpPr>
-        <a:xfrm>
-          <a:off x="0" y="0"/>
-          <a:ext cx="0" cy="0"/>
-          <a:chOff x="0" y="0"/>
-          <a:chExt cx="0" cy="0"/>
-        </a:xfrm>
-      </p:grpSpPr>
-      <p:sp>
-        <p:nvSpPr>
-          <p:cNvPr id="2" name="Title 1"/>
-          <p:cNvSpPr>
-            <a:spLocks noGrp="1"/>
-          </p:cNvSpPr>
-          <p:nvPr>
-            <p:ph type="title"/>
-          </p:nvPr>
-        </p:nvSpPr>
-        <p:spPr/>
-        <p:txBody>
-          <a:bodyPr/>
-          <a:lstStyle/>
-          <a:p>
             <a:r>
               <a:rPr lang="en-US" dirty="0" smtClean="0"/>
               <a:t>Profiles</a:t>
@@ -15007,7 +13411,7 @@
 </p:sld>
 </file>
 
-<file path=ppt/slides/slide22.xml><?xml version="1.0" encoding="utf-8"?>
+<file path=ppt/slides/slide14.xml><?xml version="1.0" encoding="utf-8"?>
 <p:sld xmlns:a="http://schemas.openxmlformats.org/drawingml/2006/main" xmlns:r="http://schemas.openxmlformats.org/officeDocument/2006/relationships" xmlns:p="http://schemas.openxmlformats.org/presentationml/2006/main">
   <p:cSld>
     <p:spTree>
@@ -15406,7 +13810,7 @@
 </p:sld>
 </file>
 
-<file path=ppt/slides/slide23.xml><?xml version="1.0" encoding="utf-8"?>
+<file path=ppt/slides/slide15.xml><?xml version="1.0" encoding="utf-8"?>
 <p:sld xmlns:a="http://schemas.openxmlformats.org/drawingml/2006/main" xmlns:r="http://schemas.openxmlformats.org/officeDocument/2006/relationships" xmlns:p="http://schemas.openxmlformats.org/presentationml/2006/main">
   <p:cSld>
     <p:spTree>
@@ -17538,7 +15942,7 @@
 </p:sld>
 </file>
 
-<file path=ppt/slides/slide24.xml><?xml version="1.0" encoding="utf-8"?>
+<file path=ppt/slides/slide16.xml><?xml version="1.0" encoding="utf-8"?>
 <p:sld xmlns:a="http://schemas.openxmlformats.org/drawingml/2006/main" xmlns:r="http://schemas.openxmlformats.org/officeDocument/2006/relationships" xmlns:p="http://schemas.openxmlformats.org/presentationml/2006/main">
   <p:cSld>
     <p:spTree>
@@ -17631,7 +16035,7 @@
 </p:sld>
 </file>
 
-<file path=ppt/slides/slide25.xml><?xml version="1.0" encoding="utf-8"?>
+<file path=ppt/slides/slide17.xml><?xml version="1.0" encoding="utf-8"?>
 <p:sld xmlns:a="http://schemas.openxmlformats.org/drawingml/2006/main" xmlns:r="http://schemas.openxmlformats.org/officeDocument/2006/relationships" xmlns:p="http://schemas.openxmlformats.org/presentationml/2006/main">
   <p:cSld>
     <p:spTree>
@@ -17739,7 +16143,7 @@
 </p:sld>
 </file>
 
-<file path=ppt/slides/slide26.xml><?xml version="1.0" encoding="utf-8"?>
+<file path=ppt/slides/slide18.xml><?xml version="1.0" encoding="utf-8"?>
 <p:sld xmlns:a="http://schemas.openxmlformats.org/drawingml/2006/main" xmlns:r="http://schemas.openxmlformats.org/officeDocument/2006/relationships" xmlns:p="http://schemas.openxmlformats.org/presentationml/2006/main">
   <p:cSld>
     <p:spTree>
@@ -17939,7 +16343,7 @@
 </p:sld>
 </file>
 
-<file path=ppt/slides/slide27.xml><?xml version="1.0" encoding="utf-8"?>
+<file path=ppt/slides/slide19.xml><?xml version="1.0" encoding="utf-8"?>
 <p:sld xmlns:a="http://schemas.openxmlformats.org/drawingml/2006/main" xmlns:r="http://schemas.openxmlformats.org/officeDocument/2006/relationships" xmlns:p="http://schemas.openxmlformats.org/presentationml/2006/main">
   <p:cSld>
     <p:spTree>
@@ -18359,7 +16763,118 @@
 </p:sld>
 </file>
 
-<file path=ppt/slides/slide28.xml><?xml version="1.0" encoding="utf-8"?>
+<file path=ppt/slides/slide2.xml><?xml version="1.0" encoding="utf-8"?>
+<p:sld xmlns:a="http://schemas.openxmlformats.org/drawingml/2006/main" xmlns:r="http://schemas.openxmlformats.org/officeDocument/2006/relationships" xmlns:p="http://schemas.openxmlformats.org/presentationml/2006/main">
+  <p:cSld>
+    <p:spTree>
+      <p:nvGrpSpPr>
+        <p:cNvPr id="1" name=""/>
+        <p:cNvGrpSpPr/>
+        <p:nvPr/>
+      </p:nvGrpSpPr>
+      <p:grpSpPr>
+        <a:xfrm>
+          <a:off x="0" y="0"/>
+          <a:ext cx="0" cy="0"/>
+          <a:chOff x="0" y="0"/>
+          <a:chExt cx="0" cy="0"/>
+        </a:xfrm>
+      </p:grpSpPr>
+      <p:sp>
+        <p:nvSpPr>
+          <p:cNvPr id="2" name="Title 1"/>
+          <p:cNvSpPr>
+            <a:spLocks noGrp="1"/>
+          </p:cNvSpPr>
+          <p:nvPr>
+            <p:ph type="title"/>
+          </p:nvPr>
+        </p:nvSpPr>
+        <p:spPr/>
+        <p:txBody>
+          <a:bodyPr/>
+          <a:lstStyle/>
+          <a:p>
+            <a:r>
+              <a:rPr lang="en-US" dirty="0" smtClean="0"/>
+              <a:t>Spring Boot</a:t>
+            </a:r>
+            <a:endParaRPr lang="en-US" dirty="0"/>
+          </a:p>
+        </p:txBody>
+      </p:sp>
+      <p:sp>
+        <p:nvSpPr>
+          <p:cNvPr id="3" name="Content Placeholder 2"/>
+          <p:cNvSpPr>
+            <a:spLocks noGrp="1"/>
+          </p:cNvSpPr>
+          <p:nvPr>
+            <p:ph sz="quarter" idx="10"/>
+          </p:nvPr>
+        </p:nvSpPr>
+        <p:spPr>
+          <a:xfrm>
+            <a:off x="457200" y="1108074"/>
+            <a:ext cx="8229600" cy="3293454"/>
+          </a:xfrm>
+        </p:spPr>
+        <p:txBody>
+          <a:bodyPr anchor="ctr"/>
+          <a:lstStyle/>
+          <a:p>
+            <a:pPr marL="0" indent="0" algn="ctr">
+              <a:lnSpc>
+                <a:spcPct val="150000"/>
+              </a:lnSpc>
+              <a:buNone/>
+            </a:pPr>
+            <a:endParaRPr lang="en-US" dirty="0" smtClean="0"/>
+          </a:p>
+          <a:p>
+            <a:pPr marL="0" indent="0" algn="ctr">
+              <a:lnSpc>
+                <a:spcPct val="120000"/>
+              </a:lnSpc>
+              <a:buNone/>
+            </a:pPr>
+            <a:r>
+              <a:rPr lang="en-US" dirty="0" smtClean="0"/>
+              <a:t>Spring Boot is an opinionated framework to simplify bootstrapping and development of new Spring Applications</a:t>
+            </a:r>
+          </a:p>
+          <a:p>
+            <a:pPr marL="0" indent="0">
+              <a:buNone/>
+            </a:pPr>
+            <a:endParaRPr lang="en-US" dirty="0"/>
+          </a:p>
+        </p:txBody>
+      </p:sp>
+    </p:spTree>
+    <p:extLst>
+      <p:ext uri="{BB962C8B-B14F-4D97-AF65-F5344CB8AC3E}">
+        <p14:creationId xmlns:p14="http://schemas.microsoft.com/office/powerpoint/2010/main" val="3284732348"/>
+      </p:ext>
+    </p:extLst>
+  </p:cSld>
+  <p:clrMapOvr>
+    <a:masterClrMapping/>
+  </p:clrMapOvr>
+  <p:transition xmlns:p14="http://schemas.microsoft.com/office/powerpoint/2010/main" spd="slow">
+    <p:wipe/>
+  </p:transition>
+  <p:timing>
+    <p:tnLst>
+      <p:par>
+        <p:cTn xmlns:p14="http://schemas.microsoft.com/office/powerpoint/2010/main" id="1" dur="indefinite" restart="never" nodeType="tmRoot"/>
+      </p:par>
+    </p:tnLst>
+  </p:timing>
+</p:sld>
+</file>
+
+<file path=ppt/slides/slide20.xml><?xml version="1.0" encoding="utf-8"?>
 <p:sld xmlns:a="http://schemas.openxmlformats.org/drawingml/2006/main" xmlns:r="http://schemas.openxmlformats.org/officeDocument/2006/relationships" xmlns:p="http://schemas.openxmlformats.org/presentationml/2006/main">
   <p:cSld>
     <p:spTree>
@@ -18712,7 +17227,7 @@
 </p:sld>
 </file>
 
-<file path=ppt/slides/slide29.xml><?xml version="1.0" encoding="utf-8"?>
+<file path=ppt/slides/slide21.xml><?xml version="1.0" encoding="utf-8"?>
 <p:sld xmlns:a="http://schemas.openxmlformats.org/drawingml/2006/main" xmlns:r="http://schemas.openxmlformats.org/officeDocument/2006/relationships" xmlns:p="http://schemas.openxmlformats.org/presentationml/2006/main">
   <p:cSld>
     <p:spTree>
@@ -19043,181 +17558,7 @@
 </p:sld>
 </file>
 
-<file path=ppt/slides/slide3.xml><?xml version="1.0" encoding="utf-8"?>
-<p:sld xmlns:a="http://schemas.openxmlformats.org/drawingml/2006/main" xmlns:r="http://schemas.openxmlformats.org/officeDocument/2006/relationships" xmlns:p="http://schemas.openxmlformats.org/presentationml/2006/main">
-  <p:cSld>
-    <p:spTree>
-      <p:nvGrpSpPr>
-        <p:cNvPr id="1" name=""/>
-        <p:cNvGrpSpPr/>
-        <p:nvPr/>
-      </p:nvGrpSpPr>
-      <p:grpSpPr>
-        <a:xfrm>
-          <a:off x="0" y="0"/>
-          <a:ext cx="0" cy="0"/>
-          <a:chOff x="0" y="0"/>
-          <a:chExt cx="0" cy="0"/>
-        </a:xfrm>
-      </p:grpSpPr>
-      <p:sp>
-        <p:nvSpPr>
-          <p:cNvPr id="2" name="Title 1"/>
-          <p:cNvSpPr>
-            <a:spLocks noGrp="1"/>
-          </p:cNvSpPr>
-          <p:nvPr>
-            <p:ph type="title"/>
-          </p:nvPr>
-        </p:nvSpPr>
-        <p:spPr/>
-        <p:txBody>
-          <a:bodyPr/>
-          <a:lstStyle/>
-          <a:p>
-            <a:r>
-              <a:rPr lang="en-US" dirty="0" smtClean="0"/>
-              <a:t>Agenda</a:t>
-            </a:r>
-            <a:endParaRPr lang="en-US" dirty="0">
-              <a:solidFill>
-                <a:srgbClr val="138A7E"/>
-              </a:solidFill>
-            </a:endParaRPr>
-          </a:p>
-        </p:txBody>
-      </p:sp>
-      <p:sp>
-        <p:nvSpPr>
-          <p:cNvPr id="3" name="Content Placeholder 2"/>
-          <p:cNvSpPr>
-            <a:spLocks noGrp="1"/>
-          </p:cNvSpPr>
-          <p:nvPr>
-            <p:ph sz="quarter" idx="10"/>
-          </p:nvPr>
-        </p:nvSpPr>
-        <p:spPr>
-          <a:xfrm>
-            <a:off x="810380" y="1108074"/>
-            <a:ext cx="7745259" cy="3273007"/>
-          </a:xfrm>
-        </p:spPr>
-        <p:txBody>
-          <a:bodyPr anchor="ctr">
-            <a:normAutofit/>
-          </a:bodyPr>
-          <a:lstStyle/>
-          <a:p>
-            <a:pPr marL="514350" indent="-514350">
-              <a:buFont typeface="+mj-lt"/>
-              <a:buAutoNum type="arabicPeriod"/>
-            </a:pPr>
-            <a:r>
-              <a:rPr lang="en-US" dirty="0" smtClean="0"/>
-              <a:t>Challenges building non-Boot applications</a:t>
-            </a:r>
-          </a:p>
-          <a:p>
-            <a:pPr marL="514350" indent="-514350">
-              <a:buFont typeface="+mj-lt"/>
-              <a:buAutoNum type="arabicPeriod"/>
-            </a:pPr>
-            <a:r>
-              <a:rPr lang="en-US" dirty="0" smtClean="0">
-                <a:solidFill>
-                  <a:schemeClr val="bg2">
-                    <a:lumMod val="50000"/>
-                  </a:schemeClr>
-                </a:solidFill>
-              </a:rPr>
-              <a:t>What </a:t>
-            </a:r>
-            <a:r>
-              <a:rPr lang="en-US" dirty="0">
-                <a:solidFill>
-                  <a:schemeClr val="bg2">
-                    <a:lumMod val="50000"/>
-                  </a:schemeClr>
-                </a:solidFill>
-              </a:rPr>
-              <a:t>is Spring Boot</a:t>
-            </a:r>
-            <a:r>
-              <a:rPr lang="en-US" dirty="0" smtClean="0">
-                <a:solidFill>
-                  <a:schemeClr val="bg2">
-                    <a:lumMod val="50000"/>
-                  </a:schemeClr>
-                </a:solidFill>
-              </a:rPr>
-              <a:t>?</a:t>
-            </a:r>
-            <a:endParaRPr lang="en-US" dirty="0">
-              <a:solidFill>
-                <a:schemeClr val="bg2">
-                  <a:lumMod val="50000"/>
-                </a:schemeClr>
-              </a:solidFill>
-            </a:endParaRPr>
-          </a:p>
-          <a:p>
-            <a:pPr marL="514350" indent="-514350">
-              <a:buFont typeface="+mj-lt"/>
-              <a:buAutoNum type="arabicPeriod"/>
-            </a:pPr>
-            <a:r>
-              <a:rPr lang="en-US" dirty="0" smtClean="0">
-                <a:solidFill>
-                  <a:schemeClr val="bg2">
-                    <a:lumMod val="50000"/>
-                  </a:schemeClr>
-                </a:solidFill>
-              </a:rPr>
-              <a:t>Capabilities</a:t>
-            </a:r>
-            <a:endParaRPr lang="en-US" dirty="0">
-              <a:solidFill>
-                <a:schemeClr val="bg2">
-                  <a:lumMod val="50000"/>
-                </a:schemeClr>
-              </a:solidFill>
-            </a:endParaRPr>
-          </a:p>
-          <a:p>
-            <a:endParaRPr lang="en-US" dirty="0"/>
-          </a:p>
-        </p:txBody>
-      </p:sp>
-    </p:spTree>
-    <p:extLst>
-      <p:ext uri="{BB962C8B-B14F-4D97-AF65-F5344CB8AC3E}">
-        <p14:creationId xmlns:p14="http://schemas.microsoft.com/office/powerpoint/2010/main" val="3933727248"/>
-      </p:ext>
-    </p:extLst>
-  </p:cSld>
-  <p:clrMapOvr>
-    <a:masterClrMapping/>
-  </p:clrMapOvr>
-  <mc:AlternateContent xmlns:mc="http://schemas.openxmlformats.org/markup-compatibility/2006" xmlns:p14="http://schemas.microsoft.com/office/powerpoint/2010/main">
-    <mc:Choice Requires="p14">
-      <p:transition p14:dur="0"/>
-    </mc:Choice>
-    <mc:Fallback xmlns="">
-      <p:transition xmlns:p14="http://schemas.microsoft.com/office/powerpoint/2010/main"/>
-    </mc:Fallback>
-  </mc:AlternateContent>
-  <p:timing>
-    <p:tnLst>
-      <p:par>
-        <p:cTn xmlns:p14="http://schemas.microsoft.com/office/powerpoint/2010/main" id="1" dur="indefinite" restart="never" nodeType="tmRoot"/>
-      </p:par>
-    </p:tnLst>
-  </p:timing>
-</p:sld>
-</file>
-
-<file path=ppt/slides/slide30.xml><?xml version="1.0" encoding="utf-8"?>
+<file path=ppt/slides/slide22.xml><?xml version="1.0" encoding="utf-8"?>
 <p:sld xmlns:a="http://schemas.openxmlformats.org/drawingml/2006/main" xmlns:r="http://schemas.openxmlformats.org/officeDocument/2006/relationships" xmlns:p="http://schemas.openxmlformats.org/presentationml/2006/main">
   <p:cSld>
     <p:spTree>
@@ -19408,7 +17749,7 @@
 </p:sld>
 </file>
 
-<file path=ppt/slides/slide31.xml><?xml version="1.0" encoding="utf-8"?>
+<file path=ppt/slides/slide23.xml><?xml version="1.0" encoding="utf-8"?>
 <p:sld xmlns:a="http://schemas.openxmlformats.org/drawingml/2006/main" xmlns:r="http://schemas.openxmlformats.org/officeDocument/2006/relationships" xmlns:p="http://schemas.openxmlformats.org/presentationml/2006/main">
   <p:cSld>
     <p:spTree>
@@ -19516,7 +17857,7 @@
 </p:sld>
 </file>
 
-<file path=ppt/slides/slide32.xml><?xml version="1.0" encoding="utf-8"?>
+<file path=ppt/slides/slide24.xml><?xml version="1.0" encoding="utf-8"?>
 <p:sld xmlns:a="http://schemas.openxmlformats.org/drawingml/2006/main" xmlns:r="http://schemas.openxmlformats.org/officeDocument/2006/relationships" xmlns:p="http://schemas.openxmlformats.org/presentationml/2006/main">
   <p:cSld>
     <p:spTree>
@@ -19678,7 +18019,7 @@
 </p:sld>
 </file>
 
-<file path=ppt/slides/slide33.xml><?xml version="1.0" encoding="utf-8"?>
+<file path=ppt/slides/slide25.xml><?xml version="1.0" encoding="utf-8"?>
 <p:sld xmlns:a="http://schemas.openxmlformats.org/drawingml/2006/main" xmlns:r="http://schemas.openxmlformats.org/officeDocument/2006/relationships" xmlns:p="http://schemas.openxmlformats.org/presentationml/2006/main">
   <p:cSld>
     <p:spTree>
@@ -19859,6 +18200,246 @@
 </p:sld>
 </file>
 
+<file path=ppt/slides/slide3.xml><?xml version="1.0" encoding="utf-8"?>
+<p:sld xmlns:a="http://schemas.openxmlformats.org/drawingml/2006/main" xmlns:r="http://schemas.openxmlformats.org/officeDocument/2006/relationships" xmlns:p="http://schemas.openxmlformats.org/presentationml/2006/main">
+  <p:cSld>
+    <p:spTree>
+      <p:nvGrpSpPr>
+        <p:cNvPr id="1" name=""/>
+        <p:cNvGrpSpPr/>
+        <p:nvPr/>
+      </p:nvGrpSpPr>
+      <p:grpSpPr>
+        <a:xfrm>
+          <a:off x="0" y="0"/>
+          <a:ext cx="0" cy="0"/>
+          <a:chOff x="0" y="0"/>
+          <a:chExt cx="0" cy="0"/>
+        </a:xfrm>
+      </p:grpSpPr>
+      <p:sp>
+        <p:nvSpPr>
+          <p:cNvPr id="2" name="Title 1"/>
+          <p:cNvSpPr>
+            <a:spLocks noGrp="1"/>
+          </p:cNvSpPr>
+          <p:nvPr>
+            <p:ph type="title"/>
+          </p:nvPr>
+        </p:nvSpPr>
+        <p:spPr/>
+        <p:txBody>
+          <a:bodyPr/>
+          <a:lstStyle/>
+          <a:p>
+            <a:r>
+              <a:rPr lang="en-US" sz="2800" dirty="0" smtClean="0"/>
+              <a:t>Spring Boot Adoption</a:t>
+            </a:r>
+            <a:endParaRPr lang="en-US" dirty="0"/>
+          </a:p>
+        </p:txBody>
+      </p:sp>
+      <p:sp>
+        <p:nvSpPr>
+          <p:cNvPr id="3" name="Rectangle 2"/>
+          <p:cNvSpPr/>
+          <p:nvPr/>
+        </p:nvSpPr>
+        <p:spPr>
+          <a:xfrm>
+            <a:off x="169471" y="4636670"/>
+            <a:ext cx="2800767" cy="369332"/>
+          </a:xfrm>
+          <a:prstGeom prst="rect">
+            <a:avLst/>
+          </a:prstGeom>
+        </p:spPr>
+        <p:txBody>
+          <a:bodyPr wrap="none">
+            <a:spAutoFit/>
+          </a:bodyPr>
+          <a:lstStyle/>
+          <a:p>
+            <a:r>
+              <a:rPr lang="en-US" dirty="0">
+                <a:solidFill>
+                  <a:srgbClr val="000000"/>
+                </a:solidFill>
+                <a:latin typeface="Arial"/>
+              </a:rPr>
+              <a:t>Source: oss.sonatype.org</a:t>
+            </a:r>
+          </a:p>
+        </p:txBody>
+      </p:sp>
+      <p:sp>
+        <p:nvSpPr>
+          <p:cNvPr id="18" name="Explosion 2 17"/>
+          <p:cNvSpPr/>
+          <p:nvPr/>
+        </p:nvSpPr>
+        <p:spPr>
+          <a:xfrm rot="1682066">
+            <a:off x="7500247" y="765251"/>
+            <a:ext cx="895350" cy="833644"/>
+          </a:xfrm>
+          <a:prstGeom prst="irregularSeal2">
+            <a:avLst/>
+          </a:prstGeom>
+        </p:spPr>
+        <p:style>
+          <a:lnRef idx="1">
+            <a:schemeClr val="accent1"/>
+          </a:lnRef>
+          <a:fillRef idx="3">
+            <a:schemeClr val="accent1"/>
+          </a:fillRef>
+          <a:effectRef idx="2">
+            <a:schemeClr val="accent1"/>
+          </a:effectRef>
+          <a:fontRef idx="minor">
+            <a:schemeClr val="lt1"/>
+          </a:fontRef>
+        </p:style>
+        <p:txBody>
+          <a:bodyPr rtlCol="0" anchor="ctr"/>
+          <a:lstStyle/>
+          <a:p>
+            <a:pPr algn="ctr"/>
+            <a:endParaRPr lang="en-US">
+              <a:solidFill>
+                <a:srgbClr val="FFFFFF"/>
+              </a:solidFill>
+              <a:latin typeface="Arial"/>
+            </a:endParaRPr>
+          </a:p>
+        </p:txBody>
+      </p:sp>
+      <p:sp>
+        <p:nvSpPr>
+          <p:cNvPr id="19" name="TextBox 18"/>
+          <p:cNvSpPr txBox="1"/>
+          <p:nvPr/>
+        </p:nvSpPr>
+        <p:spPr>
+          <a:xfrm>
+            <a:off x="7326387" y="1034882"/>
+            <a:ext cx="1144270" cy="307777"/>
+          </a:xfrm>
+          <a:prstGeom prst="rect">
+            <a:avLst/>
+          </a:prstGeom>
+          <a:noFill/>
+        </p:spPr>
+        <p:txBody>
+          <a:bodyPr wrap="square" rtlCol="0">
+            <a:spAutoFit/>
+          </a:bodyPr>
+          <a:lstStyle/>
+          <a:p>
+            <a:pPr algn="ctr"/>
+            <a:r>
+              <a:rPr lang="en-US" sz="1400" b="1" dirty="0" smtClean="0">
+                <a:solidFill>
+                  <a:srgbClr val="FFFFFF"/>
+                </a:solidFill>
+                <a:latin typeface="Arial"/>
+              </a:rPr>
+              <a:t>4.2M</a:t>
+            </a:r>
+          </a:p>
+        </p:txBody>
+      </p:sp>
+      <p:sp>
+        <p:nvSpPr>
+          <p:cNvPr id="22" name="Rectangle 21"/>
+          <p:cNvSpPr/>
+          <p:nvPr/>
+        </p:nvSpPr>
+        <p:spPr>
+          <a:xfrm>
+            <a:off x="3186446" y="879624"/>
+            <a:ext cx="2917686" cy="369332"/>
+          </a:xfrm>
+          <a:prstGeom prst="rect">
+            <a:avLst/>
+          </a:prstGeom>
+        </p:spPr>
+        <p:txBody>
+          <a:bodyPr wrap="none">
+            <a:spAutoFit/>
+          </a:bodyPr>
+          <a:lstStyle/>
+          <a:p>
+            <a:r>
+              <a:rPr lang="en-US" dirty="0">
+                <a:solidFill>
+                  <a:srgbClr val="4C4C4C"/>
+                </a:solidFill>
+                <a:latin typeface="Arial"/>
+              </a:rPr>
+              <a:t>Monthly Maven downloads</a:t>
+            </a:r>
+          </a:p>
+        </p:txBody>
+      </p:sp>
+      <p:graphicFrame>
+        <p:nvGraphicFramePr>
+          <p:cNvPr id="9" name="Chart 8"/>
+          <p:cNvGraphicFramePr>
+            <a:graphicFrameLocks/>
+          </p:cNvGraphicFramePr>
+          <p:nvPr>
+            <p:extLst>
+              <p:ext uri="{D42A27DB-BD31-4B8C-83A1-F6EECF244321}">
+                <p14:modId xmlns:p14="http://schemas.microsoft.com/office/powerpoint/2010/main" val="3414476740"/>
+              </p:ext>
+            </p:extLst>
+          </p:nvPr>
+        </p:nvGraphicFramePr>
+        <p:xfrm>
+          <a:off x="530176" y="1200149"/>
+          <a:ext cx="8051282" cy="3423915"/>
+        </p:xfrm>
+        <a:graphic>
+          <a:graphicData uri="http://schemas.openxmlformats.org/drawingml/2006/chart">
+            <c:chart xmlns:c="http://schemas.openxmlformats.org/drawingml/2006/chart" xmlns:r="http://schemas.openxmlformats.org/officeDocument/2006/relationships" r:id="rId3"/>
+          </a:graphicData>
+        </a:graphic>
+      </p:graphicFrame>
+    </p:spTree>
+    <p:extLst>
+      <p:ext uri="{BB962C8B-B14F-4D97-AF65-F5344CB8AC3E}">
+        <p14:creationId xmlns:p14="http://schemas.microsoft.com/office/powerpoint/2010/main" val="3893343184"/>
+      </p:ext>
+    </p:extLst>
+  </p:cSld>
+  <p:clrMapOvr>
+    <a:masterClrMapping/>
+  </p:clrMapOvr>
+  <mc:AlternateContent xmlns:mc="http://schemas.openxmlformats.org/markup-compatibility/2006" xmlns:p14="http://schemas.microsoft.com/office/powerpoint/2010/main">
+    <mc:Choice Requires="p14">
+      <p:transition spd="med" p14:dur="700">
+        <p:fade/>
+      </p:transition>
+    </mc:Choice>
+    <mc:Fallback xmlns="">
+      <p:transition xmlns:p14="http://schemas.microsoft.com/office/powerpoint/2010/main" spd="med">
+        <p:fade/>
+      </p:transition>
+    </mc:Fallback>
+  </mc:AlternateContent>
+  <p:timing>
+    <p:tnLst>
+      <p:par>
+        <p:cTn xmlns:p14="http://schemas.microsoft.com/office/powerpoint/2010/main" id="1" dur="indefinite" restart="never" nodeType="tmRoot"/>
+      </p:par>
+    </p:tnLst>
+  </p:timing>
+</p:sld>
+</file>
+
 <file path=ppt/slides/slide4.xml><?xml version="1.0" encoding="utf-8"?>
 <p:sld xmlns:a="http://schemas.openxmlformats.org/drawingml/2006/main" xmlns:r="http://schemas.openxmlformats.org/officeDocument/2006/relationships" xmlns:p="http://schemas.openxmlformats.org/presentationml/2006/main">
   <p:cSld>
@@ -19892,19 +18473,13 @@
           <a:lstStyle/>
           <a:p>
             <a:r>
-              <a:rPr lang="en-US" dirty="0" err="1" smtClean="0">
-                <a:latin typeface="Courier"/>
-                <a:cs typeface="Courier"/>
-              </a:rPr>
-              <a:t>Classpath</a:t>
-            </a:r>
-            <a:r>
               <a:rPr lang="en-US" dirty="0" smtClean="0"/>
-              <a:t> Hell</a:t>
+              <a:t>Agenda</a:t>
             </a:r>
             <a:endParaRPr lang="en-US" dirty="0">
-              <a:latin typeface="Arial"/>
-              <a:cs typeface="Arial"/>
+              <a:solidFill>
+                <a:srgbClr val="138A7E"/>
+              </a:solidFill>
             </a:endParaRPr>
           </a:p>
         </p:txBody>
@@ -19921,8 +18496,8 @@
         </p:nvSpPr>
         <p:spPr>
           <a:xfrm>
-            <a:off x="457201" y="982315"/>
-            <a:ext cx="4798478" cy="3419213"/>
+            <a:off x="810380" y="1108074"/>
+            <a:ext cx="7745259" cy="3273007"/>
           </a:xfrm>
         </p:spPr>
         <p:txBody>
@@ -19931,77 +18506,84 @@
           </a:bodyPr>
           <a:lstStyle/>
           <a:p>
+            <a:pPr marL="514350" indent="-514350">
+              <a:buFont typeface="+mj-lt"/>
+              <a:buAutoNum type="arabicPeriod"/>
+            </a:pPr>
+            <a:r>
+              <a:rPr lang="en-US" dirty="0" smtClean="0">
+                <a:solidFill>
+                  <a:schemeClr val="bg2">
+                    <a:lumMod val="50000"/>
+                  </a:schemeClr>
+                </a:solidFill>
+              </a:rPr>
+              <a:t>Challenges building non-Boot applications</a:t>
+            </a:r>
+          </a:p>
+          <a:p>
+            <a:pPr marL="514350" indent="-514350">
+              <a:buFont typeface="+mj-lt"/>
+              <a:buAutoNum type="arabicPeriod"/>
+            </a:pPr>
+            <a:r>
+              <a:rPr lang="en-US" dirty="0" smtClean="0">
+                <a:solidFill>
+                  <a:schemeClr val="bg2">
+                    <a:lumMod val="50000"/>
+                  </a:schemeClr>
+                </a:solidFill>
+              </a:rPr>
+              <a:t>What </a:t>
+            </a:r>
+            <a:r>
+              <a:rPr lang="en-US" dirty="0">
+                <a:solidFill>
+                  <a:schemeClr val="bg2">
+                    <a:lumMod val="50000"/>
+                  </a:schemeClr>
+                </a:solidFill>
+              </a:rPr>
+              <a:t>is Spring Boot</a:t>
+            </a:r>
+            <a:r>
+              <a:rPr lang="en-US" dirty="0" smtClean="0">
+                <a:solidFill>
+                  <a:schemeClr val="bg2">
+                    <a:lumMod val="50000"/>
+                  </a:schemeClr>
+                </a:solidFill>
+              </a:rPr>
+              <a:t>?</a:t>
+            </a:r>
+            <a:endParaRPr lang="en-US" dirty="0">
+              <a:solidFill>
+                <a:schemeClr val="bg2">
+                  <a:lumMod val="50000"/>
+                </a:schemeClr>
+              </a:solidFill>
+            </a:endParaRPr>
+          </a:p>
+          <a:p>
+            <a:pPr marL="514350" indent="-514350">
+              <a:buFont typeface="+mj-lt"/>
+              <a:buAutoNum type="arabicPeriod"/>
+            </a:pPr>
             <a:r>
               <a:rPr lang="en-US" dirty="0" smtClean="0"/>
-              <a:t>A </a:t>
-            </a:r>
-            <a:r>
-              <a:rPr lang="en-US" dirty="0"/>
-              <a:t>Jar is missing</a:t>
-            </a:r>
-          </a:p>
-          <a:p>
-            <a:r>
-              <a:rPr lang="en-US" dirty="0" smtClean="0"/>
-              <a:t>There </a:t>
-            </a:r>
-            <a:r>
-              <a:rPr lang="en-US" dirty="0"/>
-              <a:t>is one Jar too many</a:t>
-            </a:r>
-          </a:p>
-          <a:p>
-            <a:r>
-              <a:rPr lang="en-US" dirty="0" smtClean="0"/>
-              <a:t>A </a:t>
-            </a:r>
-            <a:r>
-              <a:rPr lang="en-US" dirty="0"/>
-              <a:t>class is not visible where it should be</a:t>
-            </a:r>
-          </a:p>
-          <a:p>
-            <a:pPr marL="0" indent="0">
-              <a:buNone/>
-            </a:pPr>
+              <a:t>Capabilities</a:t>
+            </a:r>
+            <a:endParaRPr lang="en-US" dirty="0"/>
+          </a:p>
+          <a:p>
             <a:endParaRPr lang="en-US" dirty="0"/>
           </a:p>
         </p:txBody>
       </p:sp>
-      <p:pic>
-        <p:nvPicPr>
-          <p:cNvPr id="5" name="Picture 4" descr="Java-Classpath.jpg"/>
-          <p:cNvPicPr>
-            <a:picLocks noChangeAspect="1"/>
-          </p:cNvPicPr>
-          <p:nvPr/>
-        </p:nvPicPr>
-        <p:blipFill>
-          <a:blip r:embed="rId2">
-            <a:extLst>
-              <a:ext uri="{28A0092B-C50C-407E-A947-70E740481C1C}">
-                <a14:useLocalDpi xmlns:a14="http://schemas.microsoft.com/office/drawing/2010/main" val="0"/>
-              </a:ext>
-            </a:extLst>
-          </a:blip>
-          <a:stretch>
-            <a:fillRect/>
-          </a:stretch>
-        </p:blipFill>
-        <p:spPr>
-          <a:xfrm>
-            <a:off x="5519720" y="982315"/>
-            <a:ext cx="3305384" cy="3419214"/>
-          </a:xfrm>
-          <a:prstGeom prst="rect">
-            <a:avLst/>
-          </a:prstGeom>
-        </p:spPr>
-      </p:pic>
     </p:spTree>
     <p:extLst>
       <p:ext uri="{BB962C8B-B14F-4D97-AF65-F5344CB8AC3E}">
-        <p14:creationId xmlns:p14="http://schemas.microsoft.com/office/powerpoint/2010/main" val="1961214849"/>
+        <p14:creationId xmlns:p14="http://schemas.microsoft.com/office/powerpoint/2010/main" val="146872111"/>
       </p:ext>
     </p:extLst>
   </p:cSld>
@@ -20060,18 +18642,7 @@
           <a:p>
             <a:r>
               <a:rPr lang="en-US" dirty="0" smtClean="0"/>
-              <a:t>Resolving </a:t>
-            </a:r>
-            <a:r>
-              <a:rPr lang="en-US" dirty="0" err="1" smtClean="0">
-                <a:latin typeface="Courier"/>
-                <a:cs typeface="Courier"/>
-              </a:rPr>
-              <a:t>Classpath</a:t>
-            </a:r>
-            <a:r>
-              <a:rPr lang="en-US" dirty="0" smtClean="0"/>
-              <a:t> Hell</a:t>
+              <a:t>Capabilities</a:t>
             </a:r>
             <a:endParaRPr lang="en-US" dirty="0"/>
           </a:p>
@@ -20079,1116 +18650,69 @@
       </p:sp>
       <p:sp>
         <p:nvSpPr>
-          <p:cNvPr id="5" name="Rectangle 4"/>
-          <p:cNvSpPr/>
-          <p:nvPr/>
+          <p:cNvPr id="3" name="Content Placeholder 2"/>
+          <p:cNvSpPr>
+            <a:spLocks noGrp="1"/>
+          </p:cNvSpPr>
+          <p:nvPr>
+            <p:ph sz="quarter" idx="10"/>
+          </p:nvPr>
         </p:nvSpPr>
-        <p:spPr>
-          <a:xfrm>
-            <a:off x="113161" y="2283581"/>
-            <a:ext cx="1596820" cy="914400"/>
-          </a:xfrm>
-          <a:prstGeom prst="rect">
-            <a:avLst/>
-          </a:prstGeom>
-          <a:solidFill>
-            <a:srgbClr val="008881"/>
-          </a:solidFill>
-          <a:ln w="6350">
-            <a:solidFill>
-              <a:schemeClr val="bg1"/>
-            </a:solidFill>
-          </a:ln>
-          <a:effectLst/>
-        </p:spPr>
-        <p:style>
-          <a:lnRef idx="1">
-            <a:schemeClr val="accent1"/>
-          </a:lnRef>
-          <a:fillRef idx="3">
-            <a:schemeClr val="accent1"/>
-          </a:fillRef>
-          <a:effectRef idx="2">
-            <a:schemeClr val="accent1"/>
-          </a:effectRef>
-          <a:fontRef idx="minor">
-            <a:schemeClr val="lt1"/>
-          </a:fontRef>
-        </p:style>
-        <p:txBody>
-          <a:bodyPr rtlCol="0" anchor="ctr"/>
-          <a:lstStyle/>
-          <a:p>
-            <a:pPr algn="ctr"/>
-            <a:r>
-              <a:rPr lang="en-US" sz="1400" dirty="0" smtClean="0"/>
-              <a:t>Read docs/blogs/copy previous project structure</a:t>
-            </a:r>
-            <a:endParaRPr lang="en-US" sz="1400" dirty="0"/>
-          </a:p>
-        </p:txBody>
-      </p:sp>
-      <p:sp>
-        <p:nvSpPr>
-          <p:cNvPr id="6" name="Terminator 5"/>
-          <p:cNvSpPr/>
-          <p:nvPr/>
-        </p:nvSpPr>
-        <p:spPr>
-          <a:xfrm>
-            <a:off x="457199" y="1064139"/>
-            <a:ext cx="822960" cy="435671"/>
-          </a:xfrm>
-          <a:prstGeom prst="flowChartTerminator">
-            <a:avLst/>
-          </a:prstGeom>
-          <a:solidFill>
-            <a:srgbClr val="008881"/>
-          </a:solidFill>
-          <a:ln w="6350">
-            <a:solidFill>
-              <a:schemeClr val="bg1"/>
-            </a:solidFill>
-          </a:ln>
-          <a:effectLst/>
-        </p:spPr>
-        <p:style>
-          <a:lnRef idx="1">
-            <a:schemeClr val="accent1"/>
-          </a:lnRef>
-          <a:fillRef idx="3">
-            <a:schemeClr val="accent1"/>
-          </a:fillRef>
-          <a:effectRef idx="2">
-            <a:schemeClr val="accent1"/>
-          </a:effectRef>
-          <a:fontRef idx="minor">
-            <a:schemeClr val="lt1"/>
-          </a:fontRef>
-        </p:style>
+        <p:spPr/>
         <p:txBody>
           <a:bodyPr anchor="ctr"/>
           <a:lstStyle/>
           <a:p>
-            <a:pPr algn="ctr"/>
             <a:r>
               <a:rPr lang="en-US" dirty="0" smtClean="0"/>
-              <a:t>start</a:t>
+              <a:t>Quick start </a:t>
+            </a:r>
+            <a:r>
+              <a:rPr lang="en-US" dirty="0"/>
+              <a:t>project generation</a:t>
+            </a:r>
+          </a:p>
+          <a:p>
+            <a:r>
+              <a:rPr lang="en-US" dirty="0"/>
+              <a:t>Automatic project </a:t>
+            </a:r>
+            <a:r>
+              <a:rPr lang="en-US" dirty="0" smtClean="0"/>
+              <a:t>dependency </a:t>
+            </a:r>
+            <a:r>
+              <a:rPr lang="en-US" dirty="0"/>
+              <a:t>management</a:t>
+            </a:r>
+          </a:p>
+          <a:p>
+            <a:r>
+              <a:rPr lang="en-US" dirty="0"/>
+              <a:t>Configuration drift </a:t>
+            </a:r>
+            <a:r>
+              <a:rPr lang="en-US" dirty="0" smtClean="0"/>
+              <a:t>prevention</a:t>
+            </a:r>
+          </a:p>
+          <a:p>
+            <a:r>
+              <a:rPr lang="en-US" dirty="0"/>
+              <a:t>Conditional </a:t>
+            </a:r>
+            <a:r>
+              <a:rPr lang="en-US" dirty="0" smtClean="0"/>
+              <a:t>configuration</a:t>
             </a:r>
             <a:endParaRPr lang="en-US" dirty="0"/>
-          </a:p>
-        </p:txBody>
-      </p:sp>
-      <p:sp>
-        <p:nvSpPr>
-          <p:cNvPr id="7" name="Process 6"/>
-          <p:cNvSpPr/>
-          <p:nvPr/>
-        </p:nvSpPr>
-        <p:spPr>
-          <a:xfrm>
-            <a:off x="312056" y="3726300"/>
-            <a:ext cx="1199850" cy="520337"/>
-          </a:xfrm>
-          <a:prstGeom prst="flowChartProcess">
-            <a:avLst/>
-          </a:prstGeom>
-          <a:solidFill>
-            <a:srgbClr val="008881"/>
-          </a:solidFill>
-          <a:ln w="6350">
-            <a:solidFill>
-              <a:schemeClr val="bg1"/>
-            </a:solidFill>
-          </a:ln>
-          <a:effectLst/>
-        </p:spPr>
-        <p:style>
-          <a:lnRef idx="1">
-            <a:schemeClr val="accent1"/>
-          </a:lnRef>
-          <a:fillRef idx="3">
-            <a:schemeClr val="accent1"/>
-          </a:fillRef>
-          <a:effectRef idx="2">
-            <a:schemeClr val="accent1"/>
-          </a:effectRef>
-          <a:fontRef idx="minor">
-            <a:schemeClr val="lt1"/>
-          </a:fontRef>
-        </p:style>
-        <p:txBody>
-          <a:bodyPr anchor="ctr"/>
-          <a:lstStyle/>
-          <a:p>
-            <a:pPr algn="ctr"/>
-            <a:r>
-              <a:rPr lang="en-US" sz="1400" dirty="0" smtClean="0"/>
-              <a:t>Download jars</a:t>
-            </a:r>
-            <a:endParaRPr lang="en-US" sz="1400" dirty="0"/>
-          </a:p>
-        </p:txBody>
-      </p:sp>
-      <p:sp>
-        <p:nvSpPr>
-          <p:cNvPr id="9" name="Process 8"/>
-          <p:cNvSpPr/>
-          <p:nvPr/>
-        </p:nvSpPr>
-        <p:spPr>
-          <a:xfrm>
-            <a:off x="2854476" y="3775651"/>
-            <a:ext cx="1199850" cy="520337"/>
-          </a:xfrm>
-          <a:prstGeom prst="flowChartProcess">
-            <a:avLst/>
-          </a:prstGeom>
-          <a:solidFill>
-            <a:srgbClr val="008881"/>
-          </a:solidFill>
-          <a:ln w="6350">
-            <a:solidFill>
-              <a:schemeClr val="bg1"/>
-            </a:solidFill>
-          </a:ln>
-          <a:effectLst/>
-        </p:spPr>
-        <p:style>
-          <a:lnRef idx="1">
-            <a:schemeClr val="accent1"/>
-          </a:lnRef>
-          <a:fillRef idx="3">
-            <a:schemeClr val="accent1"/>
-          </a:fillRef>
-          <a:effectRef idx="2">
-            <a:schemeClr val="accent1"/>
-          </a:effectRef>
-          <a:fontRef idx="minor">
-            <a:schemeClr val="lt1"/>
-          </a:fontRef>
-        </p:style>
-        <p:txBody>
-          <a:bodyPr anchor="ctr"/>
-          <a:lstStyle/>
-          <a:p>
-            <a:pPr algn="ctr"/>
-            <a:r>
-              <a:rPr lang="en-US" sz="1400" dirty="0" smtClean="0"/>
-              <a:t>Add jars to </a:t>
-            </a:r>
-            <a:r>
-              <a:rPr lang="en-US" sz="1400" dirty="0" err="1" smtClean="0">
-                <a:latin typeface="Courier"/>
-                <a:cs typeface="Courier"/>
-              </a:rPr>
-              <a:t>classpath</a:t>
-            </a:r>
-            <a:endParaRPr lang="en-US" sz="1400" dirty="0">
-              <a:latin typeface="Courier"/>
-              <a:cs typeface="Courier"/>
-            </a:endParaRPr>
-          </a:p>
-        </p:txBody>
-      </p:sp>
-      <p:sp>
-        <p:nvSpPr>
-          <p:cNvPr id="10" name="Process 9"/>
-          <p:cNvSpPr/>
-          <p:nvPr/>
-        </p:nvSpPr>
-        <p:spPr>
-          <a:xfrm>
-            <a:off x="2854476" y="2837302"/>
-            <a:ext cx="1199850" cy="520337"/>
-          </a:xfrm>
-          <a:prstGeom prst="flowChartProcess">
-            <a:avLst/>
-          </a:prstGeom>
-          <a:solidFill>
-            <a:srgbClr val="008881"/>
-          </a:solidFill>
-          <a:ln w="6350">
-            <a:solidFill>
-              <a:schemeClr val="bg1"/>
-            </a:solidFill>
-          </a:ln>
-          <a:effectLst/>
-        </p:spPr>
-        <p:style>
-          <a:lnRef idx="1">
-            <a:schemeClr val="accent1"/>
-          </a:lnRef>
-          <a:fillRef idx="3">
-            <a:schemeClr val="accent1"/>
-          </a:fillRef>
-          <a:effectRef idx="2">
-            <a:schemeClr val="accent1"/>
-          </a:effectRef>
-          <a:fontRef idx="minor">
-            <a:schemeClr val="lt1"/>
-          </a:fontRef>
-        </p:style>
-        <p:txBody>
-          <a:bodyPr anchor="ctr"/>
-          <a:lstStyle/>
-          <a:p>
-            <a:pPr algn="ctr"/>
-            <a:r>
-              <a:rPr lang="en-US" sz="1400" dirty="0" smtClean="0"/>
-              <a:t>Write Code</a:t>
-            </a:r>
-            <a:endParaRPr lang="en-US" sz="1400" dirty="0"/>
-          </a:p>
-        </p:txBody>
-      </p:sp>
-      <p:sp>
-        <p:nvSpPr>
-          <p:cNvPr id="11" name="Decision 10"/>
-          <p:cNvSpPr/>
-          <p:nvPr/>
-        </p:nvSpPr>
-        <p:spPr>
-          <a:xfrm>
-            <a:off x="2433564" y="1300117"/>
-            <a:ext cx="2051356" cy="1100908"/>
-          </a:xfrm>
-          <a:prstGeom prst="flowChartDecision">
-            <a:avLst/>
-          </a:prstGeom>
-          <a:solidFill>
-            <a:srgbClr val="008881"/>
-          </a:solidFill>
-          <a:ln w="6350">
-            <a:solidFill>
-              <a:schemeClr val="bg1"/>
-            </a:solidFill>
-          </a:ln>
-          <a:effectLst/>
-        </p:spPr>
-        <p:style>
-          <a:lnRef idx="1">
-            <a:schemeClr val="accent1"/>
-          </a:lnRef>
-          <a:fillRef idx="3">
-            <a:schemeClr val="accent1"/>
-          </a:fillRef>
-          <a:effectRef idx="2">
-            <a:schemeClr val="accent1"/>
-          </a:effectRef>
-          <a:fontRef idx="minor">
-            <a:schemeClr val="lt1"/>
-          </a:fontRef>
-        </p:style>
-        <p:txBody>
-          <a:bodyPr anchor="ctr"/>
-          <a:lstStyle/>
-          <a:p>
-            <a:pPr algn="ctr"/>
-            <a:r>
-              <a:rPr lang="en-US" sz="1200" dirty="0" smtClean="0"/>
-              <a:t>Unresolved symbol?</a:t>
-            </a:r>
-            <a:endParaRPr lang="en-US" sz="1200" dirty="0"/>
-          </a:p>
-        </p:txBody>
-      </p:sp>
-      <p:sp>
-        <p:nvSpPr>
-          <p:cNvPr id="12" name="Process 11"/>
-          <p:cNvSpPr/>
-          <p:nvPr/>
-        </p:nvSpPr>
-        <p:spPr>
-          <a:xfrm>
-            <a:off x="5060647" y="1532098"/>
-            <a:ext cx="1199850" cy="520337"/>
-          </a:xfrm>
-          <a:prstGeom prst="flowChartProcess">
-            <a:avLst/>
-          </a:prstGeom>
-          <a:solidFill>
-            <a:srgbClr val="008881"/>
-          </a:solidFill>
-          <a:ln w="6350">
-            <a:solidFill>
-              <a:schemeClr val="bg1"/>
-            </a:solidFill>
-          </a:ln>
-          <a:effectLst/>
-        </p:spPr>
-        <p:style>
-          <a:lnRef idx="1">
-            <a:schemeClr val="accent1"/>
-          </a:lnRef>
-          <a:fillRef idx="3">
-            <a:schemeClr val="accent1"/>
-          </a:fillRef>
-          <a:effectRef idx="2">
-            <a:schemeClr val="accent1"/>
-          </a:effectRef>
-          <a:fontRef idx="minor">
-            <a:schemeClr val="lt1"/>
-          </a:fontRef>
-        </p:style>
-        <p:txBody>
-          <a:bodyPr anchor="ctr"/>
-          <a:lstStyle/>
-          <a:p>
-            <a:pPr algn="ctr"/>
-            <a:r>
-              <a:rPr lang="en-US" sz="1400" dirty="0" smtClean="0"/>
-              <a:t>build</a:t>
-            </a:r>
-            <a:endParaRPr lang="en-US" sz="1400" dirty="0"/>
-          </a:p>
-        </p:txBody>
-      </p:sp>
-      <p:sp>
-        <p:nvSpPr>
-          <p:cNvPr id="13" name="Process 12"/>
-          <p:cNvSpPr/>
-          <p:nvPr/>
-        </p:nvSpPr>
-        <p:spPr>
-          <a:xfrm>
-            <a:off x="5060647" y="2394616"/>
-            <a:ext cx="1199850" cy="520337"/>
-          </a:xfrm>
-          <a:prstGeom prst="flowChartProcess">
-            <a:avLst/>
-          </a:prstGeom>
-          <a:solidFill>
-            <a:srgbClr val="008881"/>
-          </a:solidFill>
-          <a:ln w="6350">
-            <a:solidFill>
-              <a:schemeClr val="bg1"/>
-            </a:solidFill>
-          </a:ln>
-          <a:effectLst/>
-        </p:spPr>
-        <p:style>
-          <a:lnRef idx="1">
-            <a:schemeClr val="accent1"/>
-          </a:lnRef>
-          <a:fillRef idx="3">
-            <a:schemeClr val="accent1"/>
-          </a:fillRef>
-          <a:effectRef idx="2">
-            <a:schemeClr val="accent1"/>
-          </a:effectRef>
-          <a:fontRef idx="minor">
-            <a:schemeClr val="lt1"/>
-          </a:fontRef>
-        </p:style>
-        <p:txBody>
-          <a:bodyPr anchor="ctr"/>
-          <a:lstStyle/>
-          <a:p>
-            <a:pPr algn="ctr"/>
-            <a:r>
-              <a:rPr lang="en-US" sz="1400" dirty="0" smtClean="0"/>
-              <a:t>run</a:t>
-            </a:r>
-            <a:endParaRPr lang="en-US" sz="1400" dirty="0"/>
-          </a:p>
-        </p:txBody>
-      </p:sp>
-      <p:sp>
-        <p:nvSpPr>
-          <p:cNvPr id="15" name="Decision 14"/>
-          <p:cNvSpPr/>
-          <p:nvPr/>
-        </p:nvSpPr>
-        <p:spPr>
-          <a:xfrm>
-            <a:off x="6905899" y="2052435"/>
-            <a:ext cx="2051356" cy="1100908"/>
-          </a:xfrm>
-          <a:prstGeom prst="flowChartDecision">
-            <a:avLst/>
-          </a:prstGeom>
-          <a:solidFill>
-            <a:srgbClr val="008881"/>
-          </a:solidFill>
-          <a:ln w="6350">
-            <a:solidFill>
-              <a:schemeClr val="bg1"/>
-            </a:solidFill>
-          </a:ln>
-          <a:effectLst/>
-        </p:spPr>
-        <p:style>
-          <a:lnRef idx="1">
-            <a:schemeClr val="accent1"/>
-          </a:lnRef>
-          <a:fillRef idx="3">
-            <a:schemeClr val="accent1"/>
-          </a:fillRef>
-          <a:effectRef idx="2">
-            <a:schemeClr val="accent1"/>
-          </a:effectRef>
-          <a:fontRef idx="minor">
-            <a:schemeClr val="lt1"/>
-          </a:fontRef>
-        </p:style>
-        <p:txBody>
-          <a:bodyPr anchor="ctr"/>
-          <a:lstStyle/>
-          <a:p>
-            <a:pPr algn="ctr"/>
-            <a:r>
-              <a:rPr lang="en-US" sz="1100" dirty="0" err="1" smtClean="0">
-                <a:latin typeface="Courier"/>
-                <a:cs typeface="Courier"/>
-              </a:rPr>
-              <a:t>NoClassDefFound</a:t>
-            </a:r>
-            <a:r>
-              <a:rPr lang="en-US" sz="1100" dirty="0" smtClean="0">
-                <a:latin typeface="Courier"/>
-                <a:cs typeface="Courier"/>
-              </a:rPr>
-              <a:t>?  </a:t>
-            </a:r>
-            <a:endParaRPr lang="en-US" sz="1100" dirty="0">
-              <a:latin typeface="Courier"/>
-              <a:cs typeface="Courier"/>
-            </a:endParaRPr>
-          </a:p>
-        </p:txBody>
-      </p:sp>
-      <p:sp>
-        <p:nvSpPr>
-          <p:cNvPr id="16" name="Terminator 15"/>
-          <p:cNvSpPr/>
-          <p:nvPr/>
-        </p:nvSpPr>
-        <p:spPr>
-          <a:xfrm>
-            <a:off x="7540371" y="3986469"/>
-            <a:ext cx="822960" cy="435671"/>
-          </a:xfrm>
-          <a:prstGeom prst="flowChartTerminator">
-            <a:avLst/>
-          </a:prstGeom>
-          <a:solidFill>
-            <a:srgbClr val="008881"/>
-          </a:solidFill>
-          <a:ln w="6350">
-            <a:solidFill>
-              <a:schemeClr val="bg1"/>
-            </a:solidFill>
-          </a:ln>
-          <a:effectLst/>
-        </p:spPr>
-        <p:style>
-          <a:lnRef idx="1">
-            <a:schemeClr val="accent1"/>
-          </a:lnRef>
-          <a:fillRef idx="3">
-            <a:schemeClr val="accent1"/>
-          </a:fillRef>
-          <a:effectRef idx="2">
-            <a:schemeClr val="accent1"/>
-          </a:effectRef>
-          <a:fontRef idx="minor">
-            <a:schemeClr val="lt1"/>
-          </a:fontRef>
-        </p:style>
-        <p:txBody>
-          <a:bodyPr anchor="ctr"/>
-          <a:lstStyle/>
-          <a:p>
-            <a:pPr algn="ctr"/>
-            <a:r>
-              <a:rPr lang="en-US" dirty="0" smtClean="0"/>
-              <a:t>end</a:t>
-            </a:r>
-            <a:endParaRPr lang="en-US" dirty="0"/>
-          </a:p>
-        </p:txBody>
-      </p:sp>
-      <p:cxnSp>
-        <p:nvCxnSpPr>
-          <p:cNvPr id="18" name="Straight Arrow Connector 17"/>
-          <p:cNvCxnSpPr/>
-          <p:nvPr/>
-        </p:nvCxnSpPr>
-        <p:spPr>
-          <a:xfrm>
-            <a:off x="868679" y="1589315"/>
-            <a:ext cx="0" cy="633791"/>
-          </a:xfrm>
-          <a:prstGeom prst="straightConnector1">
-            <a:avLst/>
-          </a:prstGeom>
-          <a:ln>
-            <a:tailEnd type="arrow"/>
-          </a:ln>
-        </p:spPr>
-        <p:style>
-          <a:lnRef idx="2">
-            <a:schemeClr val="accent1"/>
-          </a:lnRef>
-          <a:fillRef idx="0">
-            <a:schemeClr val="accent1"/>
-          </a:fillRef>
-          <a:effectRef idx="1">
-            <a:schemeClr val="accent1"/>
-          </a:effectRef>
-          <a:fontRef idx="minor">
-            <a:schemeClr val="tx1"/>
-          </a:fontRef>
-        </p:style>
-      </p:cxnSp>
-      <p:cxnSp>
-        <p:nvCxnSpPr>
-          <p:cNvPr id="22" name="Straight Arrow Connector 21"/>
-          <p:cNvCxnSpPr/>
-          <p:nvPr/>
-        </p:nvCxnSpPr>
-        <p:spPr>
-          <a:xfrm>
-            <a:off x="911571" y="3297164"/>
-            <a:ext cx="410" cy="368661"/>
-          </a:xfrm>
-          <a:prstGeom prst="straightConnector1">
-            <a:avLst/>
-          </a:prstGeom>
-          <a:ln>
-            <a:tailEnd type="arrow"/>
-          </a:ln>
-        </p:spPr>
-        <p:style>
-          <a:lnRef idx="2">
-            <a:schemeClr val="accent1"/>
-          </a:lnRef>
-          <a:fillRef idx="0">
-            <a:schemeClr val="accent1"/>
-          </a:fillRef>
-          <a:effectRef idx="1">
-            <a:schemeClr val="accent1"/>
-          </a:effectRef>
-          <a:fontRef idx="minor">
-            <a:schemeClr val="tx1"/>
-          </a:fontRef>
-        </p:style>
-      </p:cxnSp>
-      <p:cxnSp>
-        <p:nvCxnSpPr>
-          <p:cNvPr id="24" name="Straight Arrow Connector 23"/>
-          <p:cNvCxnSpPr/>
-          <p:nvPr/>
-        </p:nvCxnSpPr>
-        <p:spPr>
-          <a:xfrm>
-            <a:off x="1572382" y="3986469"/>
-            <a:ext cx="1233714" cy="0"/>
-          </a:xfrm>
-          <a:prstGeom prst="straightConnector1">
-            <a:avLst/>
-          </a:prstGeom>
-          <a:ln>
-            <a:tailEnd type="arrow"/>
-          </a:ln>
-        </p:spPr>
-        <p:style>
-          <a:lnRef idx="2">
-            <a:schemeClr val="accent1"/>
-          </a:lnRef>
-          <a:fillRef idx="0">
-            <a:schemeClr val="accent1"/>
-          </a:fillRef>
-          <a:effectRef idx="1">
-            <a:schemeClr val="accent1"/>
-          </a:effectRef>
-          <a:fontRef idx="minor">
-            <a:schemeClr val="tx1"/>
-          </a:fontRef>
-        </p:style>
-      </p:cxnSp>
-      <p:cxnSp>
-        <p:nvCxnSpPr>
-          <p:cNvPr id="26" name="Straight Arrow Connector 25"/>
-          <p:cNvCxnSpPr/>
-          <p:nvPr/>
-        </p:nvCxnSpPr>
-        <p:spPr>
-          <a:xfrm flipV="1">
-            <a:off x="3454401" y="3381829"/>
-            <a:ext cx="0" cy="368661"/>
-          </a:xfrm>
-          <a:prstGeom prst="straightConnector1">
-            <a:avLst/>
-          </a:prstGeom>
-          <a:ln>
-            <a:tailEnd type="arrow"/>
-          </a:ln>
-        </p:spPr>
-        <p:style>
-          <a:lnRef idx="2">
-            <a:schemeClr val="accent1"/>
-          </a:lnRef>
-          <a:fillRef idx="0">
-            <a:schemeClr val="accent1"/>
-          </a:fillRef>
-          <a:effectRef idx="1">
-            <a:schemeClr val="accent1"/>
-          </a:effectRef>
-          <a:fontRef idx="minor">
-            <a:schemeClr val="tx1"/>
-          </a:fontRef>
-        </p:style>
-      </p:cxnSp>
-      <p:cxnSp>
-        <p:nvCxnSpPr>
-          <p:cNvPr id="28" name="Straight Arrow Connector 27"/>
-          <p:cNvCxnSpPr/>
-          <p:nvPr/>
-        </p:nvCxnSpPr>
-        <p:spPr>
-          <a:xfrm flipV="1">
-            <a:off x="3454401" y="2442996"/>
-            <a:ext cx="0" cy="338908"/>
-          </a:xfrm>
-          <a:prstGeom prst="straightConnector1">
-            <a:avLst/>
-          </a:prstGeom>
-          <a:ln>
-            <a:tailEnd type="arrow"/>
-          </a:ln>
-        </p:spPr>
-        <p:style>
-          <a:lnRef idx="2">
-            <a:schemeClr val="accent1"/>
-          </a:lnRef>
-          <a:fillRef idx="0">
-            <a:schemeClr val="accent1"/>
-          </a:fillRef>
-          <a:effectRef idx="1">
-            <a:schemeClr val="accent1"/>
-          </a:effectRef>
-          <a:fontRef idx="minor">
-            <a:schemeClr val="tx1"/>
-          </a:fontRef>
-        </p:style>
-      </p:cxnSp>
-      <p:cxnSp>
-        <p:nvCxnSpPr>
-          <p:cNvPr id="30" name="Straight Arrow Connector 29"/>
-          <p:cNvCxnSpPr/>
-          <p:nvPr/>
-        </p:nvCxnSpPr>
-        <p:spPr>
-          <a:xfrm flipH="1">
-            <a:off x="928918" y="1850571"/>
-            <a:ext cx="1468361" cy="6409"/>
-          </a:xfrm>
-          <a:prstGeom prst="straightConnector1">
-            <a:avLst/>
-          </a:prstGeom>
-          <a:ln>
-            <a:tailEnd type="arrow"/>
-          </a:ln>
-        </p:spPr>
-        <p:style>
-          <a:lnRef idx="2">
-            <a:schemeClr val="accent1"/>
-          </a:lnRef>
-          <a:fillRef idx="0">
-            <a:schemeClr val="accent1"/>
-          </a:fillRef>
-          <a:effectRef idx="1">
-            <a:schemeClr val="accent1"/>
-          </a:effectRef>
-          <a:fontRef idx="minor">
-            <a:schemeClr val="tx1"/>
-          </a:fontRef>
-        </p:style>
-      </p:cxnSp>
-      <p:cxnSp>
-        <p:nvCxnSpPr>
-          <p:cNvPr id="32" name="Straight Arrow Connector 31"/>
-          <p:cNvCxnSpPr/>
-          <p:nvPr/>
-        </p:nvCxnSpPr>
-        <p:spPr>
-          <a:xfrm flipV="1">
-            <a:off x="4523620" y="1850571"/>
-            <a:ext cx="488647" cy="6409"/>
-          </a:xfrm>
-          <a:prstGeom prst="straightConnector1">
-            <a:avLst/>
-          </a:prstGeom>
-          <a:ln>
-            <a:tailEnd type="arrow"/>
-          </a:ln>
-        </p:spPr>
-        <p:style>
-          <a:lnRef idx="2">
-            <a:schemeClr val="accent1"/>
-          </a:lnRef>
-          <a:fillRef idx="0">
-            <a:schemeClr val="accent1"/>
-          </a:fillRef>
-          <a:effectRef idx="1">
-            <a:schemeClr val="accent1"/>
-          </a:effectRef>
-          <a:fontRef idx="minor">
-            <a:schemeClr val="tx1"/>
-          </a:fontRef>
-        </p:style>
-      </p:cxnSp>
-      <p:cxnSp>
-        <p:nvCxnSpPr>
-          <p:cNvPr id="34" name="Straight Arrow Connector 33"/>
-          <p:cNvCxnSpPr/>
-          <p:nvPr/>
-        </p:nvCxnSpPr>
-        <p:spPr>
-          <a:xfrm>
-            <a:off x="5660572" y="2112910"/>
-            <a:ext cx="0" cy="231146"/>
-          </a:xfrm>
-          <a:prstGeom prst="straightConnector1">
-            <a:avLst/>
-          </a:prstGeom>
-          <a:ln>
-            <a:tailEnd type="arrow"/>
-          </a:ln>
-        </p:spPr>
-        <p:style>
-          <a:lnRef idx="2">
-            <a:schemeClr val="accent1"/>
-          </a:lnRef>
-          <a:fillRef idx="0">
-            <a:schemeClr val="accent1"/>
-          </a:fillRef>
-          <a:effectRef idx="1">
-            <a:schemeClr val="accent1"/>
-          </a:effectRef>
-          <a:fontRef idx="minor">
-            <a:schemeClr val="tx1"/>
-          </a:fontRef>
-        </p:style>
-      </p:cxnSp>
-      <p:cxnSp>
-        <p:nvCxnSpPr>
-          <p:cNvPr id="36" name="Straight Arrow Connector 35"/>
-          <p:cNvCxnSpPr/>
-          <p:nvPr/>
-        </p:nvCxnSpPr>
-        <p:spPr>
-          <a:xfrm flipV="1">
-            <a:off x="6286121" y="2602889"/>
-            <a:ext cx="607683" cy="1592"/>
-          </a:xfrm>
-          <a:prstGeom prst="straightConnector1">
-            <a:avLst/>
-          </a:prstGeom>
-          <a:ln>
-            <a:tailEnd type="arrow"/>
-          </a:ln>
-        </p:spPr>
-        <p:style>
-          <a:lnRef idx="2">
-            <a:schemeClr val="accent1"/>
-          </a:lnRef>
-          <a:fillRef idx="0">
-            <a:schemeClr val="accent1"/>
-          </a:fillRef>
-          <a:effectRef idx="1">
-            <a:schemeClr val="accent1"/>
-          </a:effectRef>
-          <a:fontRef idx="minor">
-            <a:schemeClr val="tx1"/>
-          </a:fontRef>
-        </p:style>
-      </p:cxnSp>
-      <p:cxnSp>
-        <p:nvCxnSpPr>
-          <p:cNvPr id="38" name="Straight Arrow Connector 37"/>
-          <p:cNvCxnSpPr/>
-          <p:nvPr/>
-        </p:nvCxnSpPr>
-        <p:spPr>
-          <a:xfrm flipH="1">
-            <a:off x="7946572" y="3210076"/>
-            <a:ext cx="3018" cy="703823"/>
-          </a:xfrm>
-          <a:prstGeom prst="straightConnector1">
-            <a:avLst/>
-          </a:prstGeom>
-          <a:ln>
-            <a:tailEnd type="arrow"/>
-          </a:ln>
-        </p:spPr>
-        <p:style>
-          <a:lnRef idx="2">
-            <a:schemeClr val="accent1"/>
-          </a:lnRef>
-          <a:fillRef idx="0">
-            <a:schemeClr val="accent1"/>
-          </a:fillRef>
-          <a:effectRef idx="1">
-            <a:schemeClr val="accent1"/>
-          </a:effectRef>
-          <a:fontRef idx="minor">
-            <a:schemeClr val="tx1"/>
-          </a:fontRef>
-        </p:style>
-      </p:cxnSp>
-      <p:cxnSp>
-        <p:nvCxnSpPr>
-          <p:cNvPr id="44" name="Straight Arrow Connector 43"/>
-          <p:cNvCxnSpPr/>
-          <p:nvPr/>
-        </p:nvCxnSpPr>
-        <p:spPr>
-          <a:xfrm>
-            <a:off x="1862667" y="1064139"/>
-            <a:ext cx="0" cy="763635"/>
-          </a:xfrm>
-          <a:prstGeom prst="straightConnector1">
-            <a:avLst/>
-          </a:prstGeom>
-          <a:ln>
-            <a:tailEnd type="arrow"/>
-          </a:ln>
-        </p:spPr>
-        <p:style>
-          <a:lnRef idx="2">
-            <a:schemeClr val="accent1"/>
-          </a:lnRef>
-          <a:fillRef idx="0">
-            <a:schemeClr val="accent1"/>
-          </a:fillRef>
-          <a:effectRef idx="1">
-            <a:schemeClr val="accent1"/>
-          </a:effectRef>
-          <a:fontRef idx="minor">
-            <a:schemeClr val="tx1"/>
-          </a:fontRef>
-        </p:style>
-      </p:cxnSp>
-      <p:cxnSp>
-        <p:nvCxnSpPr>
-          <p:cNvPr id="46" name="Straight Connector 45"/>
-          <p:cNvCxnSpPr/>
-          <p:nvPr/>
-        </p:nvCxnSpPr>
-        <p:spPr>
-          <a:xfrm flipH="1" flipV="1">
-            <a:off x="7931578" y="1064140"/>
-            <a:ext cx="18012" cy="954982"/>
-          </a:xfrm>
-          <a:prstGeom prst="line">
-            <a:avLst/>
-          </a:prstGeom>
-        </p:spPr>
-        <p:style>
-          <a:lnRef idx="2">
-            <a:schemeClr val="accent1"/>
-          </a:lnRef>
-          <a:fillRef idx="0">
-            <a:schemeClr val="accent1"/>
-          </a:fillRef>
-          <a:effectRef idx="1">
-            <a:schemeClr val="accent1"/>
-          </a:effectRef>
-          <a:fontRef idx="minor">
-            <a:schemeClr val="tx1"/>
-          </a:fontRef>
-        </p:style>
-      </p:cxnSp>
-      <p:cxnSp>
-        <p:nvCxnSpPr>
-          <p:cNvPr id="48" name="Straight Connector 47"/>
-          <p:cNvCxnSpPr/>
-          <p:nvPr/>
-        </p:nvCxnSpPr>
-        <p:spPr>
-          <a:xfrm flipH="1">
-            <a:off x="1862667" y="1064139"/>
-            <a:ext cx="6068910" cy="0"/>
-          </a:xfrm>
-          <a:prstGeom prst="line">
-            <a:avLst/>
-          </a:prstGeom>
-        </p:spPr>
-        <p:style>
-          <a:lnRef idx="2">
-            <a:schemeClr val="accent1"/>
-          </a:lnRef>
-          <a:fillRef idx="0">
-            <a:schemeClr val="accent1"/>
-          </a:fillRef>
-          <a:effectRef idx="1">
-            <a:schemeClr val="accent1"/>
-          </a:effectRef>
-          <a:fontRef idx="minor">
-            <a:schemeClr val="tx1"/>
-          </a:fontRef>
-        </p:style>
-      </p:cxnSp>
-      <p:sp>
-        <p:nvSpPr>
-          <p:cNvPr id="23" name="TextBox 22"/>
-          <p:cNvSpPr txBox="1"/>
-          <p:nvPr/>
-        </p:nvSpPr>
-        <p:spPr>
-          <a:xfrm>
-            <a:off x="7949590" y="1649790"/>
-            <a:ext cx="541509" cy="369332"/>
-          </a:xfrm>
-          <a:prstGeom prst="rect">
-            <a:avLst/>
-          </a:prstGeom>
-          <a:noFill/>
-        </p:spPr>
-        <p:txBody>
-          <a:bodyPr wrap="none" rtlCol="0">
-            <a:spAutoFit/>
-          </a:bodyPr>
-          <a:lstStyle/>
-          <a:p>
-            <a:r>
-              <a:rPr lang="en-US" dirty="0" smtClean="0">
-                <a:solidFill>
-                  <a:schemeClr val="bg1"/>
-                </a:solidFill>
-              </a:rPr>
-              <a:t>Yes</a:t>
-            </a:r>
-            <a:endParaRPr lang="en-US" dirty="0">
-              <a:solidFill>
-                <a:schemeClr val="bg1"/>
-              </a:solidFill>
-            </a:endParaRPr>
-          </a:p>
-        </p:txBody>
-      </p:sp>
-      <p:sp>
-        <p:nvSpPr>
-          <p:cNvPr id="35" name="TextBox 34"/>
-          <p:cNvSpPr txBox="1"/>
-          <p:nvPr/>
-        </p:nvSpPr>
-        <p:spPr>
-          <a:xfrm>
-            <a:off x="7949590" y="3197981"/>
-            <a:ext cx="492367" cy="369332"/>
-          </a:xfrm>
-          <a:prstGeom prst="rect">
-            <a:avLst/>
-          </a:prstGeom>
-          <a:noFill/>
-        </p:spPr>
-        <p:txBody>
-          <a:bodyPr wrap="none" rtlCol="0">
-            <a:spAutoFit/>
-          </a:bodyPr>
-          <a:lstStyle/>
-          <a:p>
-            <a:r>
-              <a:rPr lang="en-US" dirty="0" smtClean="0">
-                <a:solidFill>
-                  <a:schemeClr val="bg1"/>
-                </a:solidFill>
-              </a:rPr>
-              <a:t>No</a:t>
-            </a:r>
-            <a:endParaRPr lang="en-US" dirty="0">
-              <a:solidFill>
-                <a:schemeClr val="bg1"/>
-              </a:solidFill>
-            </a:endParaRPr>
-          </a:p>
-        </p:txBody>
-      </p:sp>
-      <p:sp>
-        <p:nvSpPr>
-          <p:cNvPr id="37" name="TextBox 36"/>
-          <p:cNvSpPr txBox="1"/>
-          <p:nvPr/>
-        </p:nvSpPr>
-        <p:spPr>
-          <a:xfrm>
-            <a:off x="4484920" y="1458442"/>
-            <a:ext cx="492367" cy="369332"/>
-          </a:xfrm>
-          <a:prstGeom prst="rect">
-            <a:avLst/>
-          </a:prstGeom>
-          <a:noFill/>
-        </p:spPr>
-        <p:txBody>
-          <a:bodyPr wrap="none" rtlCol="0">
-            <a:spAutoFit/>
-          </a:bodyPr>
-          <a:lstStyle/>
-          <a:p>
-            <a:r>
-              <a:rPr lang="en-US" dirty="0" smtClean="0">
-                <a:solidFill>
-                  <a:schemeClr val="bg1"/>
-                </a:solidFill>
-              </a:rPr>
-              <a:t>No</a:t>
-            </a:r>
-            <a:endParaRPr lang="en-US" dirty="0">
-              <a:solidFill>
-                <a:schemeClr val="bg1"/>
-              </a:solidFill>
-            </a:endParaRPr>
-          </a:p>
-        </p:txBody>
-      </p:sp>
-      <p:sp>
-        <p:nvSpPr>
-          <p:cNvPr id="39" name="TextBox 38"/>
-          <p:cNvSpPr txBox="1"/>
-          <p:nvPr/>
-        </p:nvSpPr>
-        <p:spPr>
-          <a:xfrm>
-            <a:off x="2034254" y="1465124"/>
-            <a:ext cx="541509" cy="369332"/>
-          </a:xfrm>
-          <a:prstGeom prst="rect">
-            <a:avLst/>
-          </a:prstGeom>
-          <a:noFill/>
-        </p:spPr>
-        <p:txBody>
-          <a:bodyPr wrap="none" rtlCol="0">
-            <a:spAutoFit/>
-          </a:bodyPr>
-          <a:lstStyle/>
-          <a:p>
-            <a:r>
-              <a:rPr lang="en-US" dirty="0" smtClean="0">
-                <a:solidFill>
-                  <a:schemeClr val="bg1"/>
-                </a:solidFill>
-              </a:rPr>
-              <a:t>Yes</a:t>
-            </a:r>
-            <a:endParaRPr lang="en-US" dirty="0">
-              <a:solidFill>
-                <a:schemeClr val="bg1"/>
-              </a:solidFill>
-            </a:endParaRPr>
           </a:p>
         </p:txBody>
       </p:sp>
     </p:spTree>
     <p:extLst>
       <p:ext uri="{BB962C8B-B14F-4D97-AF65-F5344CB8AC3E}">
-        <p14:creationId xmlns:p14="http://schemas.microsoft.com/office/powerpoint/2010/main" val="44337554"/>
+        <p14:creationId xmlns:p14="http://schemas.microsoft.com/office/powerpoint/2010/main" val="1947263498"/>
       </p:ext>
     </p:extLst>
   </p:cSld>
@@ -21241,10 +18765,9 @@
           <a:lstStyle/>
           <a:p>
             <a:r>
-              <a:rPr lang="en-US" dirty="0" smtClean="0"/>
-              <a:t>Boilerplate code</a:t>
-            </a:r>
-            <a:endParaRPr lang="en-US" dirty="0"/>
+              <a:rPr lang="en-US" dirty="0"/>
+              <a:t>Capabilities</a:t>
+            </a:r>
           </a:p>
         </p:txBody>
       </p:sp>
@@ -21258,125 +18781,54 @@
             <p:ph sz="quarter" idx="10"/>
           </p:nvPr>
         </p:nvSpPr>
-        <p:spPr>
-          <a:xfrm>
-            <a:off x="457200" y="1108074"/>
-            <a:ext cx="8229600" cy="1921179"/>
-          </a:xfrm>
-        </p:spPr>
+        <p:spPr/>
         <p:txBody>
-          <a:bodyPr anchor="ctr">
-            <a:normAutofit/>
-          </a:bodyPr>
+          <a:bodyPr anchor="ctr"/>
           <a:lstStyle/>
           <a:p>
-            <a:pPr marL="0" indent="0" algn="ctr">
-              <a:buNone/>
-            </a:pPr>
-            <a:r>
-              <a:rPr lang="en-US" sz="2200" dirty="0" smtClean="0"/>
-              <a:t>Every application that accesses a relational database with </a:t>
-            </a:r>
-            <a:r>
-              <a:rPr lang="en-US" sz="2200" dirty="0" smtClean="0">
-                <a:latin typeface="Courier"/>
-                <a:cs typeface="Courier"/>
-              </a:rPr>
-              <a:t>JDBC</a:t>
-            </a:r>
-            <a:r>
-              <a:rPr lang="en-US" sz="2200" dirty="0" smtClean="0"/>
-              <a:t> needs to configure a </a:t>
-            </a:r>
-            <a:r>
-              <a:rPr lang="en-US" sz="2200" dirty="0" err="1" smtClean="0">
-                <a:latin typeface="Courier"/>
-                <a:cs typeface="Courier"/>
-              </a:rPr>
-              <a:t>JdbcTemplate</a:t>
-            </a:r>
-            <a:r>
-              <a:rPr lang="en-US" sz="2200" dirty="0" smtClean="0"/>
-              <a:t> and a </a:t>
-            </a:r>
-            <a:r>
-              <a:rPr lang="en-US" sz="2200" dirty="0" err="1" smtClean="0">
-                <a:latin typeface="Courier"/>
-                <a:cs typeface="Courier"/>
-              </a:rPr>
-              <a:t>DataSource</a:t>
-            </a:r>
-            <a:endParaRPr lang="en-US" sz="2200" dirty="0">
-              <a:latin typeface="Courier"/>
-              <a:cs typeface="Courier"/>
-            </a:endParaRPr>
+            <a:r>
+              <a:rPr lang="en-US" dirty="0" smtClean="0"/>
+              <a:t>Developer </a:t>
+            </a:r>
+            <a:r>
+              <a:rPr lang="en-US" dirty="0"/>
+              <a:t>Productivity </a:t>
+            </a:r>
+            <a:r>
+              <a:rPr lang="en-US" dirty="0" smtClean="0"/>
+              <a:t>Tooling</a:t>
+            </a:r>
+            <a:endParaRPr lang="en-US" dirty="0"/>
+          </a:p>
+          <a:p>
+            <a:r>
+              <a:rPr lang="en-US" dirty="0"/>
+              <a:t>Auto-configuration</a:t>
+            </a:r>
+          </a:p>
+          <a:p>
+            <a:r>
+              <a:rPr lang="en-US" dirty="0"/>
+              <a:t>Monitoring and management </a:t>
+            </a:r>
+            <a:r>
+              <a:rPr lang="en-US" dirty="0" smtClean="0"/>
+              <a:t>endpoints</a:t>
+            </a:r>
+          </a:p>
+          <a:p>
+            <a:r>
+              <a:rPr lang="en-US" dirty="0" smtClean="0"/>
+              <a:t>Microservices-friendliness</a:t>
+            </a:r>
+            <a:endParaRPr lang="en-US" dirty="0"/>
           </a:p>
         </p:txBody>
       </p:sp>
-      <p:pic>
-        <p:nvPicPr>
-          <p:cNvPr id="4" name="Picture 3" descr="Screen Shot 2016-01-23 at 9.27.27 PM.png"/>
-          <p:cNvPicPr>
-            <a:picLocks noChangeAspect="1"/>
-          </p:cNvPicPr>
-          <p:nvPr/>
-        </p:nvPicPr>
-        <p:blipFill>
-          <a:blip r:embed="rId2">
-            <a:extLst>
-              <a:ext uri="{28A0092B-C50C-407E-A947-70E740481C1C}">
-                <a14:useLocalDpi xmlns:a14="http://schemas.microsoft.com/office/drawing/2010/main" val="0"/>
-              </a:ext>
-            </a:extLst>
-          </a:blip>
-          <a:stretch>
-            <a:fillRect/>
-          </a:stretch>
-        </p:blipFill>
-        <p:spPr>
-          <a:xfrm>
-            <a:off x="4656665" y="3029253"/>
-            <a:ext cx="4445000" cy="1346200"/>
-          </a:xfrm>
-          <a:prstGeom prst="rect">
-            <a:avLst/>
-          </a:prstGeom>
-        </p:spPr>
-      </p:pic>
-      <p:pic>
-        <p:nvPicPr>
-          <p:cNvPr id="7" name="Picture 6" descr="Screen Shot 2016-01-23 at 9.35.55 PM.png"/>
-          <p:cNvPicPr>
-            <a:picLocks noChangeAspect="1"/>
-          </p:cNvPicPr>
-          <p:nvPr/>
-        </p:nvPicPr>
-        <p:blipFill>
-          <a:blip r:embed="rId3">
-            <a:extLst>
-              <a:ext uri="{28A0092B-C50C-407E-A947-70E740481C1C}">
-                <a14:useLocalDpi xmlns:a14="http://schemas.microsoft.com/office/drawing/2010/main" val="0"/>
-              </a:ext>
-            </a:extLst>
-          </a:blip>
-          <a:stretch>
-            <a:fillRect/>
-          </a:stretch>
-        </p:blipFill>
-        <p:spPr>
-          <a:xfrm>
-            <a:off x="62290" y="3029253"/>
-            <a:ext cx="4533900" cy="1346200"/>
-          </a:xfrm>
-          <a:prstGeom prst="rect">
-            <a:avLst/>
-          </a:prstGeom>
-        </p:spPr>
-      </p:pic>
     </p:spTree>
     <p:extLst>
       <p:ext uri="{BB962C8B-B14F-4D97-AF65-F5344CB8AC3E}">
-        <p14:creationId xmlns:p14="http://schemas.microsoft.com/office/powerpoint/2010/main" val="3322878872"/>
+        <p14:creationId xmlns:p14="http://schemas.microsoft.com/office/powerpoint/2010/main" val="3136355595"/>
       </p:ext>
     </p:extLst>
   </p:cSld>
@@ -21415,260 +18867,69 @@
       </p:grpSpPr>
       <p:sp>
         <p:nvSpPr>
-          <p:cNvPr id="2" name="Title 1"/>
+          <p:cNvPr id="3" name="Content Placeholder 2"/>
           <p:cNvSpPr>
             <a:spLocks noGrp="1"/>
           </p:cNvSpPr>
           <p:nvPr>
-            <p:ph type="title"/>
+            <p:ph sz="quarter" idx="10"/>
           </p:nvPr>
         </p:nvSpPr>
         <p:spPr/>
         <p:txBody>
-          <a:bodyPr/>
-          <a:lstStyle/>
-          <a:p>
-            <a:r>
-              <a:rPr lang="en-US" dirty="0"/>
-              <a:t>Boilerplate code</a:t>
-            </a:r>
-          </a:p>
-        </p:txBody>
-      </p:sp>
-      <p:pic>
-        <p:nvPicPr>
-          <p:cNvPr id="4" name="Picture 3" descr="Screen Shot 2016-02-17 at 5.26.26 PM.png"/>
-          <p:cNvPicPr>
-            <a:picLocks noChangeAspect="1"/>
-          </p:cNvPicPr>
-          <p:nvPr/>
-        </p:nvPicPr>
-        <p:blipFill>
-          <a:blip r:embed="rId2">
-            <a:extLst>
-              <a:ext uri="{28A0092B-C50C-407E-A947-70E740481C1C}">
-                <a14:useLocalDpi xmlns:a14="http://schemas.microsoft.com/office/drawing/2010/main" val="0"/>
-              </a:ext>
-            </a:extLst>
-          </a:blip>
-          <a:stretch>
-            <a:fillRect/>
-          </a:stretch>
-        </p:blipFill>
-        <p:spPr>
-          <a:xfrm>
-            <a:off x="3592286" y="943427"/>
-            <a:ext cx="5454951" cy="3655098"/>
-          </a:xfrm>
-          <a:prstGeom prst="rect">
-            <a:avLst/>
-          </a:prstGeom>
-        </p:spPr>
-      </p:pic>
-      <p:sp>
-        <p:nvSpPr>
-          <p:cNvPr id="5" name="TextBox 4"/>
-          <p:cNvSpPr txBox="1"/>
-          <p:nvPr/>
-        </p:nvSpPr>
-        <p:spPr>
-          <a:xfrm>
-            <a:off x="118533" y="943427"/>
-            <a:ext cx="3389086" cy="3655097"/>
-          </a:xfrm>
-          <a:prstGeom prst="rect">
-            <a:avLst/>
-          </a:prstGeom>
-          <a:noFill/>
-        </p:spPr>
-        <p:txBody>
-          <a:bodyPr wrap="square" rtlCol="0" anchor="ctr">
-            <a:noAutofit/>
+          <a:bodyPr anchor="ctr">
+            <a:normAutofit/>
           </a:bodyPr>
           <a:lstStyle/>
           <a:p>
-            <a:r>
-              <a:rPr lang="en-US" sz="2400" dirty="0" smtClean="0">
-                <a:solidFill>
-                  <a:schemeClr val="bg1"/>
-                </a:solidFill>
-                <a:latin typeface="Arial"/>
-                <a:cs typeface="Arial"/>
+            <a:pPr marL="0" indent="0" algn="ctr">
+              <a:buNone/>
+            </a:pPr>
+            <a:r>
+              <a:rPr lang="en-US" sz="4800" dirty="0" smtClean="0"/>
+              <a:t>Spring Initializr</a:t>
+            </a:r>
+          </a:p>
+          <a:p>
+            <a:pPr marL="0" indent="0" algn="ctr">
+              <a:buNone/>
+            </a:pPr>
+            <a:r>
+              <a:rPr lang="en-US" sz="1800" dirty="0" smtClean="0">
+                <a:solidFill>
+                  <a:schemeClr val="bg2">
+                    <a:lumMod val="50000"/>
+                  </a:schemeClr>
+                </a:solidFill>
               </a:rPr>
-              <a:t>To get a </a:t>
-            </a:r>
-            <a:r>
-              <a:rPr lang="en-US" sz="2400" dirty="0" err="1" smtClean="0">
-                <a:solidFill>
-                  <a:schemeClr val="bg1"/>
-                </a:solidFill>
-                <a:latin typeface="Arial"/>
-                <a:cs typeface="Arial"/>
+              <a:t>(Quick start </a:t>
+            </a:r>
+            <a:r>
+              <a:rPr lang="en-US" sz="1800" dirty="0">
+                <a:solidFill>
+                  <a:schemeClr val="bg2">
+                    <a:lumMod val="50000"/>
+                  </a:schemeClr>
+                </a:solidFill>
               </a:rPr>
-              <a:t>db</a:t>
-            </a:r>
-            <a:r>
-              <a:rPr lang="en-US" sz="2400" dirty="0" smtClean="0">
-                <a:solidFill>
-                  <a:schemeClr val="bg1"/>
-                </a:solidFill>
-                <a:latin typeface="Arial"/>
-                <a:cs typeface="Arial"/>
+              <a:t>project </a:t>
+            </a:r>
+            <a:r>
+              <a:rPr lang="en-US" sz="1800" dirty="0" smtClean="0">
+                <a:solidFill>
+                  <a:schemeClr val="bg2">
+                    <a:lumMod val="50000"/>
+                  </a:schemeClr>
+                </a:solidFill>
               </a:rPr>
-              <a:t> connection</a:t>
-            </a:r>
-          </a:p>
-          <a:p>
-            <a:endParaRPr lang="en-US" sz="2000" dirty="0">
+              <a:t>generation)</a:t>
+            </a:r>
+            <a:endParaRPr lang="en-US" sz="1800" dirty="0">
               <a:solidFill>
-                <a:schemeClr val="bg1"/>
+                <a:schemeClr val="bg2">
+                  <a:lumMod val="50000"/>
+                </a:schemeClr>
               </a:solidFill>
-              <a:latin typeface="Arial"/>
-              <a:cs typeface="Arial"/>
-            </a:endParaRPr>
-          </a:p>
-          <a:p>
-            <a:pPr marL="285750" indent="-285750">
-              <a:buFont typeface="Arial"/>
-              <a:buChar char="•"/>
-            </a:pPr>
-            <a:r>
-              <a:rPr lang="en-US" sz="2000" dirty="0" smtClean="0">
-                <a:solidFill>
-                  <a:schemeClr val="bg1"/>
-                </a:solidFill>
-                <a:latin typeface="Arial"/>
-                <a:cs typeface="Arial"/>
-              </a:rPr>
-              <a:t>Set Driver</a:t>
-            </a:r>
-          </a:p>
-          <a:p>
-            <a:endParaRPr lang="en-US" sz="2000" dirty="0" smtClean="0">
-              <a:solidFill>
-                <a:schemeClr val="bg1"/>
-              </a:solidFill>
-              <a:latin typeface="Arial"/>
-              <a:cs typeface="Arial"/>
-            </a:endParaRPr>
-          </a:p>
-          <a:p>
-            <a:pPr marL="285750" indent="-285750">
-              <a:buFont typeface="Arial"/>
-              <a:buChar char="•"/>
-            </a:pPr>
-            <a:r>
-              <a:rPr lang="en-US" sz="2000" dirty="0" smtClean="0">
-                <a:solidFill>
-                  <a:schemeClr val="bg1"/>
-                </a:solidFill>
-                <a:latin typeface="Arial"/>
-                <a:cs typeface="Arial"/>
-              </a:rPr>
-              <a:t>Set Connection URL</a:t>
-            </a:r>
-          </a:p>
-          <a:p>
-            <a:pPr marL="285750" indent="-285750">
-              <a:buFont typeface="Arial"/>
-              <a:buChar char="•"/>
-            </a:pPr>
-            <a:endParaRPr lang="en-US" sz="2000" dirty="0">
-              <a:solidFill>
-                <a:schemeClr val="bg1"/>
-              </a:solidFill>
-              <a:latin typeface="Arial"/>
-              <a:cs typeface="Arial"/>
-            </a:endParaRPr>
-          </a:p>
-          <a:p>
-            <a:pPr marL="285750" indent="-285750">
-              <a:buFont typeface="Arial"/>
-              <a:buChar char="•"/>
-            </a:pPr>
-            <a:r>
-              <a:rPr lang="en-US" sz="2000" dirty="0" smtClean="0">
-                <a:solidFill>
-                  <a:schemeClr val="bg1"/>
-                </a:solidFill>
-                <a:latin typeface="Arial"/>
-                <a:cs typeface="Arial"/>
-              </a:rPr>
-              <a:t>Set Username</a:t>
-            </a:r>
-          </a:p>
-          <a:p>
-            <a:pPr marL="285750" indent="-285750">
-              <a:buFont typeface="Arial"/>
-              <a:buChar char="•"/>
-            </a:pPr>
-            <a:endParaRPr lang="en-US" sz="2000" dirty="0">
-              <a:solidFill>
-                <a:schemeClr val="bg1"/>
-              </a:solidFill>
-              <a:latin typeface="Arial"/>
-              <a:cs typeface="Arial"/>
-            </a:endParaRPr>
-          </a:p>
-          <a:p>
-            <a:pPr marL="285750" indent="-285750">
-              <a:buFont typeface="Arial"/>
-              <a:buChar char="•"/>
-            </a:pPr>
-            <a:r>
-              <a:rPr lang="en-US" sz="2000" dirty="0" smtClean="0">
-                <a:solidFill>
-                  <a:schemeClr val="bg1"/>
-                </a:solidFill>
-                <a:latin typeface="Arial"/>
-                <a:cs typeface="Arial"/>
-              </a:rPr>
-              <a:t>Set Password</a:t>
-            </a:r>
-          </a:p>
-          <a:p>
-            <a:pPr marL="285750" indent="-285750">
-              <a:buFont typeface="Arial"/>
-              <a:buChar char="•"/>
-            </a:pPr>
-            <a:endParaRPr lang="en-US" sz="2000" dirty="0">
-              <a:solidFill>
-                <a:schemeClr val="bg1"/>
-              </a:solidFill>
-              <a:latin typeface="Arial"/>
-              <a:cs typeface="Arial"/>
-            </a:endParaRPr>
-          </a:p>
-          <a:p>
-            <a:pPr marL="285750" indent="-285750">
-              <a:buFont typeface="Arial"/>
-              <a:buChar char="•"/>
-            </a:pPr>
-            <a:r>
-              <a:rPr lang="en-US" sz="2000" dirty="0" smtClean="0">
-                <a:solidFill>
-                  <a:schemeClr val="bg1"/>
-                </a:solidFill>
-                <a:latin typeface="Arial"/>
-                <a:cs typeface="Arial"/>
-              </a:rPr>
-              <a:t>Catch Exceptions</a:t>
-            </a:r>
-            <a:endParaRPr lang="en-US" dirty="0">
-              <a:solidFill>
-                <a:schemeClr val="bg1"/>
-              </a:solidFill>
-              <a:latin typeface="Arial"/>
-              <a:cs typeface="Arial"/>
-            </a:endParaRPr>
-          </a:p>
-          <a:p>
-            <a:endParaRPr lang="en-US" dirty="0">
-              <a:solidFill>
-                <a:schemeClr val="bg1"/>
-              </a:solidFill>
-              <a:latin typeface="Arial"/>
-              <a:cs typeface="Arial"/>
             </a:endParaRPr>
           </a:p>
         </p:txBody>
@@ -21676,7 +18937,7 @@
     </p:spTree>
     <p:extLst>
       <p:ext uri="{BB962C8B-B14F-4D97-AF65-F5344CB8AC3E}">
-        <p14:creationId xmlns:p14="http://schemas.microsoft.com/office/powerpoint/2010/main" val="4170716142"/>
+        <p14:creationId xmlns:p14="http://schemas.microsoft.com/office/powerpoint/2010/main" val="1296528934"/>
       </p:ext>
     </p:extLst>
   </p:cSld>
@@ -21715,7 +18976,54 @@
       </p:grpSpPr>
       <p:sp>
         <p:nvSpPr>
-          <p:cNvPr id="2" name="Title 1"/>
+          <p:cNvPr id="3" name="Content Placeholder 2"/>
+          <p:cNvSpPr>
+            <a:spLocks noGrp="1"/>
+          </p:cNvSpPr>
+          <p:nvPr>
+            <p:ph sz="quarter" idx="10"/>
+          </p:nvPr>
+        </p:nvSpPr>
+        <p:spPr/>
+        <p:txBody>
+          <a:bodyPr anchor="ctr"/>
+          <a:lstStyle/>
+          <a:p>
+            <a:pPr marL="0" indent="0" algn="ctr">
+              <a:buNone/>
+            </a:pPr>
+            <a:r>
+              <a:rPr lang="en-US" dirty="0" smtClean="0"/>
+              <a:t>Spring Initializr is a configurable </a:t>
+            </a:r>
+            <a:r>
+              <a:rPr lang="en-US" dirty="0"/>
+              <a:t>service to </a:t>
+            </a:r>
+            <a:r>
+              <a:rPr lang="en-US" dirty="0" smtClean="0"/>
+              <a:t>consistently and easily generate </a:t>
+            </a:r>
+            <a:r>
+              <a:rPr lang="en-US" dirty="0"/>
+              <a:t>a </a:t>
+            </a:r>
+            <a:r>
+              <a:rPr lang="en-US" dirty="0" smtClean="0"/>
+              <a:t>quick start project</a:t>
+            </a:r>
+          </a:p>
+          <a:p>
+            <a:pPr marL="0" indent="0">
+              <a:buNone/>
+            </a:pPr>
+            <a:endParaRPr lang="en-US" dirty="0"/>
+          </a:p>
+        </p:txBody>
+      </p:sp>
+      <p:sp>
+        <p:nvSpPr>
+          <p:cNvPr id="4" name="Title 1"/>
           <p:cNvSpPr>
             <a:spLocks noGrp="1"/>
           </p:cNvSpPr>
@@ -21723,232 +19031,28 @@
             <p:ph type="title"/>
           </p:nvPr>
         </p:nvSpPr>
-        <p:spPr/>
+        <p:spPr>
+          <a:xfrm>
+            <a:off x="457199" y="320040"/>
+            <a:ext cx="8229601" cy="363558"/>
+          </a:xfrm>
+        </p:spPr>
         <p:txBody>
           <a:bodyPr/>
           <a:lstStyle/>
           <a:p>
             <a:r>
               <a:rPr lang="en-US" dirty="0" smtClean="0"/>
-              <a:t>Boilerplate code</a:t>
+              <a:t>Spring Initializer</a:t>
             </a:r>
             <a:endParaRPr lang="en-US" dirty="0"/>
-          </a:p>
-        </p:txBody>
-      </p:sp>
-      <p:pic>
-        <p:nvPicPr>
-          <p:cNvPr id="10" name="Picture 9" descr="Screen Shot 2016-02-17 at 5.32.05 PM.png"/>
-          <p:cNvPicPr>
-            <a:picLocks noChangeAspect="1"/>
-          </p:cNvPicPr>
-          <p:nvPr/>
-        </p:nvPicPr>
-        <p:blipFill>
-          <a:blip r:embed="rId2">
-            <a:extLst>
-              <a:ext uri="{28A0092B-C50C-407E-A947-70E740481C1C}">
-                <a14:useLocalDpi xmlns:a14="http://schemas.microsoft.com/office/drawing/2010/main" val="0"/>
-              </a:ext>
-            </a:extLst>
-          </a:blip>
-          <a:stretch>
-            <a:fillRect/>
-          </a:stretch>
-        </p:blipFill>
-        <p:spPr>
-          <a:xfrm>
-            <a:off x="3670301" y="919235"/>
-            <a:ext cx="5379357" cy="3684491"/>
-          </a:xfrm>
-          <a:prstGeom prst="rect">
-            <a:avLst/>
-          </a:prstGeom>
-        </p:spPr>
-      </p:pic>
-      <p:sp>
-        <p:nvSpPr>
-          <p:cNvPr id="23" name="TextBox 22"/>
-          <p:cNvSpPr txBox="1"/>
-          <p:nvPr/>
-        </p:nvSpPr>
-        <p:spPr>
-          <a:xfrm>
-            <a:off x="118533" y="943427"/>
-            <a:ext cx="3389086" cy="3655097"/>
-          </a:xfrm>
-          <a:prstGeom prst="rect">
-            <a:avLst/>
-          </a:prstGeom>
-          <a:noFill/>
-        </p:spPr>
-        <p:txBody>
-          <a:bodyPr wrap="square" rtlCol="0" anchor="ctr">
-            <a:noAutofit/>
-          </a:bodyPr>
-          <a:lstStyle/>
-          <a:p>
-            <a:r>
-              <a:rPr lang="en-US" sz="2400" dirty="0" smtClean="0">
-                <a:solidFill>
-                  <a:schemeClr val="bg1"/>
-                </a:solidFill>
-                <a:latin typeface="Arial"/>
-                <a:cs typeface="Arial"/>
-              </a:rPr>
-              <a:t>For </a:t>
-            </a:r>
-            <a:r>
-              <a:rPr lang="en-US" sz="2400" dirty="0" smtClean="0">
-                <a:solidFill>
-                  <a:schemeClr val="bg1"/>
-                </a:solidFill>
-                <a:latin typeface="Courier"/>
-                <a:cs typeface="Courier"/>
-              </a:rPr>
-              <a:t>CRUD</a:t>
-            </a:r>
-            <a:r>
-              <a:rPr lang="en-US" sz="2400" dirty="0" smtClean="0">
-                <a:solidFill>
-                  <a:schemeClr val="bg1"/>
-                </a:solidFill>
-                <a:latin typeface="Arial"/>
-                <a:cs typeface="Arial"/>
-              </a:rPr>
-              <a:t> Operations</a:t>
-            </a:r>
-          </a:p>
-          <a:p>
-            <a:endParaRPr lang="en-US" sz="2000" dirty="0">
-              <a:solidFill>
-                <a:schemeClr val="bg1"/>
-              </a:solidFill>
-              <a:latin typeface="Arial"/>
-              <a:cs typeface="Arial"/>
-            </a:endParaRPr>
-          </a:p>
-          <a:p>
-            <a:pPr marL="285750" indent="-285750">
-              <a:buFont typeface="Arial"/>
-              <a:buChar char="•"/>
-            </a:pPr>
-            <a:r>
-              <a:rPr lang="en-US" sz="2000" dirty="0" smtClean="0">
-                <a:solidFill>
-                  <a:schemeClr val="bg1"/>
-                </a:solidFill>
-                <a:latin typeface="Arial"/>
-                <a:cs typeface="Arial"/>
-              </a:rPr>
-              <a:t>Prepare Statement</a:t>
-            </a:r>
-          </a:p>
-          <a:p>
-            <a:endParaRPr lang="en-US" sz="2000" dirty="0" smtClean="0">
-              <a:solidFill>
-                <a:schemeClr val="bg1"/>
-              </a:solidFill>
-              <a:latin typeface="Arial"/>
-              <a:cs typeface="Arial"/>
-            </a:endParaRPr>
-          </a:p>
-          <a:p>
-            <a:pPr marL="285750" indent="-285750">
-              <a:buFont typeface="Arial"/>
-              <a:buChar char="•"/>
-            </a:pPr>
-            <a:r>
-              <a:rPr lang="en-US" sz="2000" dirty="0" smtClean="0">
-                <a:solidFill>
-                  <a:schemeClr val="bg1"/>
-                </a:solidFill>
-                <a:latin typeface="Arial"/>
-                <a:cs typeface="Arial"/>
-              </a:rPr>
-              <a:t>Set Parameters</a:t>
-            </a:r>
-          </a:p>
-          <a:p>
-            <a:pPr marL="285750" indent="-285750">
-              <a:buFont typeface="Arial"/>
-              <a:buChar char="•"/>
-            </a:pPr>
-            <a:endParaRPr lang="en-US" sz="2000" dirty="0">
-              <a:solidFill>
-                <a:schemeClr val="bg1"/>
-              </a:solidFill>
-              <a:latin typeface="Arial"/>
-              <a:cs typeface="Arial"/>
-            </a:endParaRPr>
-          </a:p>
-          <a:p>
-            <a:pPr marL="285750" indent="-285750">
-              <a:buFont typeface="Arial"/>
-              <a:buChar char="•"/>
-            </a:pPr>
-            <a:r>
-              <a:rPr lang="en-US" sz="2000" dirty="0" smtClean="0">
-                <a:solidFill>
-                  <a:schemeClr val="bg1"/>
-                </a:solidFill>
-                <a:latin typeface="Arial"/>
-                <a:cs typeface="Arial"/>
-              </a:rPr>
-              <a:t>Execute Statement</a:t>
-            </a:r>
-          </a:p>
-          <a:p>
-            <a:pPr marL="285750" indent="-285750">
-              <a:buFont typeface="Arial"/>
-              <a:buChar char="•"/>
-            </a:pPr>
-            <a:endParaRPr lang="en-US" sz="2000" dirty="0">
-              <a:solidFill>
-                <a:schemeClr val="bg1"/>
-              </a:solidFill>
-              <a:latin typeface="Arial"/>
-              <a:cs typeface="Arial"/>
-            </a:endParaRPr>
-          </a:p>
-          <a:p>
-            <a:pPr marL="285750" indent="-285750">
-              <a:buFont typeface="Arial"/>
-              <a:buChar char="•"/>
-            </a:pPr>
-            <a:r>
-              <a:rPr lang="en-US" sz="2000" dirty="0" smtClean="0">
-                <a:solidFill>
-                  <a:schemeClr val="bg1"/>
-                </a:solidFill>
-                <a:latin typeface="Arial"/>
-                <a:cs typeface="Arial"/>
-              </a:rPr>
-              <a:t>Catch Exceptions</a:t>
-            </a:r>
-            <a:endParaRPr lang="en-US" dirty="0">
-              <a:solidFill>
-                <a:schemeClr val="bg1"/>
-              </a:solidFill>
-              <a:latin typeface="Arial"/>
-              <a:cs typeface="Arial"/>
-            </a:endParaRPr>
-          </a:p>
-          <a:p>
-            <a:endParaRPr lang="en-US" dirty="0">
-              <a:solidFill>
-                <a:schemeClr val="bg1"/>
-              </a:solidFill>
-              <a:latin typeface="Arial"/>
-              <a:cs typeface="Arial"/>
-            </a:endParaRPr>
           </a:p>
         </p:txBody>
       </p:sp>
     </p:spTree>
     <p:extLst>
       <p:ext uri="{BB962C8B-B14F-4D97-AF65-F5344CB8AC3E}">
-        <p14:creationId xmlns:p14="http://schemas.microsoft.com/office/powerpoint/2010/main" val="853409496"/>
+        <p14:creationId xmlns:p14="http://schemas.microsoft.com/office/powerpoint/2010/main" val="2482656177"/>
       </p:ext>
     </p:extLst>
   </p:cSld>
@@ -21987,7 +19091,142 @@
       </p:grpSpPr>
       <p:sp>
         <p:nvSpPr>
-          <p:cNvPr id="2" name="Title 1"/>
+          <p:cNvPr id="3" name="Content Placeholder 2"/>
+          <p:cNvSpPr>
+            <a:spLocks noGrp="1"/>
+          </p:cNvSpPr>
+          <p:nvPr>
+            <p:ph sz="quarter" idx="10"/>
+          </p:nvPr>
+        </p:nvSpPr>
+        <p:spPr/>
+        <p:txBody>
+          <a:bodyPr anchor="ctr">
+            <a:normAutofit/>
+          </a:bodyPr>
+          <a:lstStyle/>
+          <a:p>
+            <a:r>
+              <a:rPr lang="en-US" sz="2400" dirty="0" smtClean="0">
+                <a:latin typeface="Arial"/>
+                <a:cs typeface="Arial"/>
+              </a:rPr>
+              <a:t>Generates a Spring Boot project structure</a:t>
+            </a:r>
+          </a:p>
+          <a:p>
+            <a:r>
+              <a:rPr lang="en-US" sz="2400" dirty="0" smtClean="0">
+                <a:latin typeface="Arial"/>
+                <a:cs typeface="Arial"/>
+              </a:rPr>
+              <a:t>Provides a Maven/</a:t>
+            </a:r>
+            <a:r>
+              <a:rPr lang="en-US" sz="2400" dirty="0" err="1" smtClean="0">
+                <a:latin typeface="Arial"/>
+                <a:cs typeface="Arial"/>
+              </a:rPr>
+              <a:t>Gradle</a:t>
+            </a:r>
+            <a:r>
+              <a:rPr lang="en-US" sz="2400" dirty="0" smtClean="0">
+                <a:latin typeface="Arial"/>
+                <a:cs typeface="Arial"/>
+              </a:rPr>
+              <a:t> build specification</a:t>
+            </a:r>
+          </a:p>
+          <a:p>
+            <a:r>
+              <a:rPr lang="en-US" sz="2400" dirty="0" smtClean="0">
+                <a:latin typeface="Arial"/>
+                <a:cs typeface="Arial"/>
+              </a:rPr>
+              <a:t>Doesn’t generate application code</a:t>
+            </a:r>
+          </a:p>
+          <a:p>
+            <a:r>
+              <a:rPr lang="en-US" sz="2400" dirty="0" smtClean="0">
+                <a:latin typeface="Arial"/>
+                <a:cs typeface="Arial"/>
+              </a:rPr>
+              <a:t>You can customize the Spring </a:t>
+            </a:r>
+            <a:r>
+              <a:rPr lang="en-US" sz="2400" dirty="0" err="1" smtClean="0">
+                <a:latin typeface="Arial"/>
+                <a:cs typeface="Arial"/>
+              </a:rPr>
+              <a:t>Initialzr</a:t>
+            </a:r>
+            <a:endParaRPr lang="en-US" sz="2400" dirty="0">
+              <a:latin typeface="Arial"/>
+              <a:cs typeface="Arial"/>
+            </a:endParaRPr>
+          </a:p>
+          <a:p>
+            <a:pPr lvl="1"/>
+            <a:r>
+              <a:rPr lang="en-US" sz="2000" dirty="0">
+                <a:latin typeface="Courier"/>
+                <a:cs typeface="Courier"/>
+              </a:rPr>
+              <a:t>https://</a:t>
+            </a:r>
+            <a:r>
+              <a:rPr lang="en-US" sz="2000" dirty="0" err="1">
+                <a:latin typeface="Courier"/>
+                <a:cs typeface="Courier"/>
+              </a:rPr>
+              <a:t>github.com</a:t>
+            </a:r>
+            <a:r>
+              <a:rPr lang="en-US" sz="2000" dirty="0">
+                <a:latin typeface="Courier"/>
+                <a:cs typeface="Courier"/>
+              </a:rPr>
+              <a:t>/spring-</a:t>
+            </a:r>
+            <a:r>
+              <a:rPr lang="en-US" sz="2000" dirty="0" err="1">
+                <a:latin typeface="Courier"/>
+                <a:cs typeface="Courier"/>
+              </a:rPr>
+              <a:t>io</a:t>
+            </a:r>
+            <a:r>
+              <a:rPr lang="en-US" sz="2000" dirty="0">
+                <a:latin typeface="Courier"/>
+                <a:cs typeface="Courier"/>
+              </a:rPr>
+              <a:t>/</a:t>
+            </a:r>
+            <a:r>
+              <a:rPr lang="en-US" sz="2000" dirty="0" err="1">
+                <a:latin typeface="Courier"/>
+                <a:cs typeface="Courier"/>
+              </a:rPr>
+              <a:t>initializr</a:t>
+            </a:r>
+            <a:r>
+              <a:rPr lang="en-US" sz="2000" dirty="0" smtClean="0">
+                <a:latin typeface="Courier"/>
+                <a:cs typeface="Courier"/>
+              </a:rPr>
+              <a:t>/</a:t>
+            </a:r>
+            <a:endParaRPr lang="en-US" sz="2000" dirty="0">
+              <a:latin typeface="Courier"/>
+              <a:cs typeface="Courier"/>
+            </a:endParaRPr>
+          </a:p>
+        </p:txBody>
+      </p:sp>
+      <p:sp>
+        <p:nvSpPr>
+          <p:cNvPr id="4" name="Title 1"/>
           <p:cNvSpPr>
             <a:spLocks noGrp="1"/>
           </p:cNvSpPr>
@@ -22002,96 +19241,8 @@
           <a:p>
             <a:r>
               <a:rPr lang="en-US" dirty="0" smtClean="0"/>
-              <a:t>Agenda</a:t>
-            </a:r>
-            <a:endParaRPr lang="en-US" dirty="0">
-              <a:solidFill>
-                <a:srgbClr val="138A7E"/>
-              </a:solidFill>
-            </a:endParaRPr>
-          </a:p>
-        </p:txBody>
-      </p:sp>
-      <p:sp>
-        <p:nvSpPr>
-          <p:cNvPr id="3" name="Content Placeholder 2"/>
-          <p:cNvSpPr>
-            <a:spLocks noGrp="1"/>
-          </p:cNvSpPr>
-          <p:nvPr>
-            <p:ph sz="quarter" idx="10"/>
-          </p:nvPr>
-        </p:nvSpPr>
-        <p:spPr>
-          <a:xfrm>
-            <a:off x="810380" y="1108074"/>
-            <a:ext cx="7745259" cy="3273007"/>
-          </a:xfrm>
-        </p:spPr>
-        <p:txBody>
-          <a:bodyPr anchor="ctr">
-            <a:normAutofit/>
-          </a:bodyPr>
-          <a:lstStyle/>
-          <a:p>
-            <a:pPr marL="514350" indent="-514350">
-              <a:buFont typeface="+mj-lt"/>
-              <a:buAutoNum type="arabicPeriod"/>
-            </a:pPr>
-            <a:r>
-              <a:rPr lang="en-US" dirty="0" smtClean="0">
-                <a:solidFill>
-                  <a:schemeClr val="bg2">
-                    <a:lumMod val="50000"/>
-                  </a:schemeClr>
-                </a:solidFill>
-              </a:rPr>
-              <a:t>Challenges building non-Boot applications</a:t>
-            </a:r>
-          </a:p>
-          <a:p>
-            <a:pPr marL="514350" indent="-514350">
-              <a:buFont typeface="+mj-lt"/>
-              <a:buAutoNum type="arabicPeriod"/>
-            </a:pPr>
-            <a:r>
-              <a:rPr lang="en-US" dirty="0" smtClean="0"/>
-              <a:t>What </a:t>
-            </a:r>
-            <a:r>
-              <a:rPr lang="en-US" dirty="0"/>
-              <a:t>is Spring Boot</a:t>
-            </a:r>
-            <a:r>
-              <a:rPr lang="en-US" dirty="0" smtClean="0"/>
-              <a:t>?</a:t>
-            </a:r>
-            <a:endParaRPr lang="en-US" dirty="0"/>
-          </a:p>
-          <a:p>
-            <a:pPr marL="514350" indent="-514350">
-              <a:buFont typeface="+mj-lt"/>
-              <a:buAutoNum type="arabicPeriod"/>
-            </a:pPr>
-            <a:r>
-              <a:rPr lang="en-US" dirty="0" smtClean="0">
-                <a:solidFill>
-                  <a:schemeClr val="bg2">
-                    <a:lumMod val="50000"/>
-                  </a:schemeClr>
-                </a:solidFill>
-              </a:rPr>
-              <a:t>Capabilities</a:t>
-            </a:r>
-            <a:endParaRPr lang="en-US" dirty="0">
-              <a:solidFill>
-                <a:schemeClr val="bg2">
-                  <a:lumMod val="50000"/>
-                </a:schemeClr>
-              </a:solidFill>
-            </a:endParaRPr>
-          </a:p>
-          <a:p>
+              <a:t>Spring Initializer</a:t>
+            </a:r>
             <a:endParaRPr lang="en-US" dirty="0"/>
           </a:p>
         </p:txBody>
@@ -22099,21 +19250,16 @@
     </p:spTree>
     <p:extLst>
       <p:ext uri="{BB962C8B-B14F-4D97-AF65-F5344CB8AC3E}">
-        <p14:creationId xmlns:p14="http://schemas.microsoft.com/office/powerpoint/2010/main" val="1620981806"/>
+        <p14:creationId xmlns:p14="http://schemas.microsoft.com/office/powerpoint/2010/main" val="3637789176"/>
       </p:ext>
     </p:extLst>
   </p:cSld>
   <p:clrMapOvr>
     <a:masterClrMapping/>
   </p:clrMapOvr>
-  <mc:AlternateContent xmlns:mc="http://schemas.openxmlformats.org/markup-compatibility/2006" xmlns:p14="http://schemas.microsoft.com/office/powerpoint/2010/main">
-    <mc:Choice Requires="p14">
-      <p:transition p14:dur="0"/>
-    </mc:Choice>
-    <mc:Fallback xmlns="">
-      <p:transition xmlns:p14="http://schemas.microsoft.com/office/powerpoint/2010/main"/>
-    </mc:Fallback>
-  </mc:AlternateContent>
+  <p:transition xmlns:p14="http://schemas.microsoft.com/office/powerpoint/2010/main" spd="slow">
+    <p:wipe/>
+  </p:transition>
   <p:timing>
     <p:tnLst>
       <p:par>
